--- a/img/dlin.pptx
+++ b/img/dlin.pptx
@@ -151,7 +151,7 @@
       </p14:sectionLst>
     </p:ext>
     <p:ext uri="{EFAFB233-063F-42B5-8137-9DF3F51BA10A}">
-      <p15:sldGuideLst xmlns:p15="http://schemas.microsoft.com/office/powerpoint/2012/main" xmlns="">
+      <p15:sldGuideLst xmlns="" xmlns:p15="http://schemas.microsoft.com/office/powerpoint/2012/main">
         <p15:guide id="1" orient="horz" pos="2160">
           <p15:clr>
             <a:srgbClr val="A4A3A4"/>
@@ -165,7 +165,7 @@
       </p15:sldGuideLst>
     </p:ext>
     <p:ext uri="{2D200454-40CA-4A62-9FC3-DE9A4176ACB9}">
-      <p15:notesGuideLst xmlns:p15="http://schemas.microsoft.com/office/powerpoint/2012/main" xmlns="">
+      <p15:notesGuideLst xmlns="" xmlns:p15="http://schemas.microsoft.com/office/powerpoint/2012/main">
         <p15:guide id="1" orient="horz" pos="3223">
           <p15:clr>
             <a:srgbClr val="A4A3A4"/>
@@ -1949,1304 +1949,6 @@
           <a:chExt cx="0" cy="0"/>
         </a:xfrm>
       </p:grpSpPr>
-      <p:sp>
-        <p:nvSpPr>
-          <p:cNvPr id="17" name="平行四辺形 16"/>
-          <p:cNvSpPr/>
-          <p:nvPr/>
-        </p:nvSpPr>
-        <p:spPr>
-          <a:xfrm rot="657628">
-            <a:off x="1034430" y="2045498"/>
-            <a:ext cx="1689639" cy="708864"/>
-          </a:xfrm>
-          <a:prstGeom prst="parallelogram">
-            <a:avLst>
-              <a:gd name="adj" fmla="val 89274"/>
-            </a:avLst>
-          </a:prstGeom>
-          <a:solidFill>
-            <a:srgbClr val="D9D9D9">
-              <a:alpha val="49020"/>
-            </a:srgbClr>
-          </a:solidFill>
-          <a:ln>
-            <a:noFill/>
-          </a:ln>
-        </p:spPr>
-        <p:style>
-          <a:lnRef idx="2">
-            <a:schemeClr val="accent1">
-              <a:shade val="50000"/>
-            </a:schemeClr>
-          </a:lnRef>
-          <a:fillRef idx="1">
-            <a:schemeClr val="accent1"/>
-          </a:fillRef>
-          <a:effectRef idx="0">
-            <a:schemeClr val="accent1"/>
-          </a:effectRef>
-          <a:fontRef idx="minor">
-            <a:schemeClr val="lt1"/>
-          </a:fontRef>
-        </p:style>
-        <p:txBody>
-          <a:bodyPr rtlCol="0" anchor="ctr"/>
-          <a:lstStyle/>
-          <a:p>
-            <a:pPr algn="ctr"/>
-            <a:endParaRPr kumimoji="1" lang="ja-JP" altLang="en-US"/>
-          </a:p>
-        </p:txBody>
-      </p:sp>
-      <p:cxnSp>
-        <p:nvCxnSpPr>
-          <p:cNvPr id="27" name="直線矢印コネクタ 26"/>
-          <p:cNvCxnSpPr/>
-          <p:nvPr/>
-        </p:nvCxnSpPr>
-        <p:spPr>
-          <a:xfrm>
-            <a:off x="883150" y="2582151"/>
-            <a:ext cx="1656184" cy="4958"/>
-          </a:xfrm>
-          <a:prstGeom prst="straightConnector1">
-            <a:avLst/>
-          </a:prstGeom>
-          <a:ln w="3175">
-            <a:solidFill>
-              <a:schemeClr val="tx1"/>
-            </a:solidFill>
-            <a:tailEnd type="arrow"/>
-          </a:ln>
-        </p:spPr>
-        <p:style>
-          <a:lnRef idx="1">
-            <a:schemeClr val="accent1"/>
-          </a:lnRef>
-          <a:fillRef idx="0">
-            <a:schemeClr val="accent1"/>
-          </a:fillRef>
-          <a:effectRef idx="0">
-            <a:schemeClr val="accent1"/>
-          </a:effectRef>
-          <a:fontRef idx="minor">
-            <a:schemeClr val="tx1"/>
-          </a:fontRef>
-        </p:style>
-      </p:cxnSp>
-      <p:cxnSp>
-        <p:nvCxnSpPr>
-          <p:cNvPr id="29" name="直線矢印コネクタ 28"/>
-          <p:cNvCxnSpPr/>
-          <p:nvPr/>
-        </p:nvCxnSpPr>
-        <p:spPr>
-          <a:xfrm flipV="1">
-            <a:off x="968624" y="1638097"/>
-            <a:ext cx="0" cy="1001507"/>
-          </a:xfrm>
-          <a:prstGeom prst="straightConnector1">
-            <a:avLst/>
-          </a:prstGeom>
-          <a:ln w="3175">
-            <a:solidFill>
-              <a:schemeClr val="tx1"/>
-            </a:solidFill>
-            <a:tailEnd type="arrow"/>
-          </a:ln>
-        </p:spPr>
-        <p:style>
-          <a:lnRef idx="1">
-            <a:schemeClr val="accent1"/>
-          </a:lnRef>
-          <a:fillRef idx="0">
-            <a:schemeClr val="accent1"/>
-          </a:fillRef>
-          <a:effectRef idx="0">
-            <a:schemeClr val="accent1"/>
-          </a:effectRef>
-          <a:fontRef idx="minor">
-            <a:schemeClr val="tx1"/>
-          </a:fontRef>
-        </p:style>
-      </p:cxnSp>
-      <mc:AlternateContent xmlns:mc="http://schemas.openxmlformats.org/markup-compatibility/2006">
-        <mc:Choice xmlns:a14="http://schemas.microsoft.com/office/drawing/2010/main" Requires="a14">
-          <p:sp>
-            <p:nvSpPr>
-              <p:cNvPr id="31" name="テキスト ボックス 30"/>
-              <p:cNvSpPr txBox="1"/>
-              <p:nvPr/>
-            </p:nvSpPr>
-            <p:spPr>
-              <a:xfrm>
-                <a:off x="2539334" y="2448610"/>
-                <a:ext cx="285613" cy="276999"/>
-              </a:xfrm>
-              <a:prstGeom prst="rect">
-                <a:avLst/>
-              </a:prstGeom>
-              <a:noFill/>
-              <a:ln w="19050" cap="rnd">
-                <a:noFill/>
-                <a:prstDash val="sysDash"/>
-              </a:ln>
-            </p:spPr>
-            <p:txBody>
-              <a:bodyPr wrap="square" rtlCol="0">
-                <a:spAutoFit/>
-              </a:bodyPr>
-              <a:lstStyle/>
-              <a:p>
-                <a:pPr/>
-                <a14:m>
-                  <m:oMathPara xmlns:m="http://schemas.openxmlformats.org/officeDocument/2006/math">
-                    <m:oMathParaPr>
-                      <m:jc m:val="centerGroup"/>
-                    </m:oMathParaPr>
-                    <m:oMath xmlns:m="http://schemas.openxmlformats.org/officeDocument/2006/math">
-                      <m:r>
-                        <a:rPr lang="en-US" altLang="ja-JP" sz="1200" b="0" i="1" smtClean="0">
-                          <a:latin typeface="Cambria Math"/>
-                          <a:ea typeface="HG丸ｺﾞｼｯｸM-PRO" panose="020F0600000000000000" pitchFamily="50" charset="-128"/>
-                          <a:cs typeface="Courier New" pitchFamily="49" charset="0"/>
-                        </a:rPr>
-                        <m:t>𝑦</m:t>
-                      </m:r>
-                    </m:oMath>
-                  </m:oMathPara>
-                </a14:m>
-                <a:endParaRPr lang="en-US" altLang="ja-JP" sz="1200">
-                  <a:latin typeface="HG丸ｺﾞｼｯｸM-PRO" panose="020F0600000000000000" pitchFamily="50" charset="-128"/>
-                  <a:ea typeface="HG丸ｺﾞｼｯｸM-PRO" panose="020F0600000000000000" pitchFamily="50" charset="-128"/>
-                  <a:cs typeface="Courier New" pitchFamily="49" charset="0"/>
-                </a:endParaRPr>
-              </a:p>
-            </p:txBody>
-          </p:sp>
-        </mc:Choice>
-        <mc:Fallback>
-          <p:sp>
-            <p:nvSpPr>
-              <p:cNvPr id="31" name="テキスト ボックス 30"/>
-              <p:cNvSpPr txBox="1">
-                <a:spLocks noRot="1" noChangeAspect="1" noMove="1" noResize="1" noEditPoints="1" noAdjustHandles="1" noChangeArrowheads="1" noChangeShapeType="1" noTextEdit="1"/>
-              </p:cNvSpPr>
-              <p:nvPr/>
-            </p:nvSpPr>
-            <p:spPr>
-              <a:xfrm>
-                <a:off x="2539334" y="2448610"/>
-                <a:ext cx="285613" cy="276999"/>
-              </a:xfrm>
-              <a:prstGeom prst="rect">
-                <a:avLst/>
-              </a:prstGeom>
-              <a:blipFill rotWithShape="1">
-                <a:blip r:embed="rId2"/>
-                <a:stretch>
-                  <a:fillRect b="-2222"/>
-                </a:stretch>
-              </a:blipFill>
-              <a:ln w="19050" cap="rnd">
-                <a:noFill/>
-                <a:prstDash val="sysDash"/>
-              </a:ln>
-            </p:spPr>
-            <p:txBody>
-              <a:bodyPr/>
-              <a:lstStyle/>
-              <a:p>
-                <a:r>
-                  <a:rPr lang="ja-JP" altLang="en-US">
-                    <a:noFill/>
-                  </a:rPr>
-                  <a:t> </a:t>
-                </a:r>
-              </a:p>
-            </p:txBody>
-          </p:sp>
-        </mc:Fallback>
-      </mc:AlternateContent>
-      <mc:AlternateContent xmlns:mc="http://schemas.openxmlformats.org/markup-compatibility/2006">
-        <mc:Choice xmlns:a14="http://schemas.microsoft.com/office/drawing/2010/main" Requires="a14">
-          <p:sp>
-            <p:nvSpPr>
-              <p:cNvPr id="34" name="テキスト ボックス 33"/>
-              <p:cNvSpPr txBox="1"/>
-              <p:nvPr/>
-            </p:nvSpPr>
-            <p:spPr>
-              <a:xfrm>
-                <a:off x="1608119" y="2675112"/>
-                <a:ext cx="542261" cy="276999"/>
-              </a:xfrm>
-              <a:prstGeom prst="rect">
-                <a:avLst/>
-              </a:prstGeom>
-              <a:noFill/>
-              <a:ln w="19050" cap="rnd">
-                <a:noFill/>
-                <a:prstDash val="sysDash"/>
-              </a:ln>
-            </p:spPr>
-            <p:txBody>
-              <a:bodyPr wrap="square" rtlCol="0">
-                <a:spAutoFit/>
-              </a:bodyPr>
-              <a:lstStyle/>
-              <a:p>
-                <a:pPr/>
-                <a14:m>
-                  <m:oMathPara xmlns:m="http://schemas.openxmlformats.org/officeDocument/2006/math">
-                    <m:oMathParaPr>
-                      <m:jc m:val="centerGroup"/>
-                    </m:oMathParaPr>
-                    <m:oMath xmlns:m="http://schemas.openxmlformats.org/officeDocument/2006/math">
-                      <m:r>
-                        <a:rPr lang="en-US" altLang="ja-JP" sz="1200" b="0" i="1" smtClean="0">
-                          <a:latin typeface="Cambria Math"/>
-                          <a:ea typeface="HG丸ｺﾞｼｯｸM-PRO" panose="020F0600000000000000" pitchFamily="50" charset="-128"/>
-                          <a:cs typeface="Courier New" pitchFamily="49" charset="0"/>
-                        </a:rPr>
-                        <m:t>(</m:t>
-                      </m:r>
-                      <m:r>
-                        <a:rPr lang="en-US" altLang="ja-JP" sz="1200" b="0" i="1" smtClean="0">
-                          <a:latin typeface="Cambria Math"/>
-                          <a:ea typeface="HG丸ｺﾞｼｯｸM-PRO" panose="020F0600000000000000" pitchFamily="50" charset="-128"/>
-                          <a:cs typeface="Courier New" pitchFamily="49" charset="0"/>
-                        </a:rPr>
-                        <m:t>𝑥𝑃</m:t>
-                      </m:r>
-                      <m:r>
-                        <a:rPr lang="en-US" altLang="ja-JP" sz="1200" b="0" i="1" smtClean="0">
-                          <a:latin typeface="Cambria Math"/>
-                          <a:ea typeface="HG丸ｺﾞｼｯｸM-PRO" panose="020F0600000000000000" pitchFamily="50" charset="-128"/>
-                          <a:cs typeface="Courier New" pitchFamily="49" charset="0"/>
-                        </a:rPr>
-                        <m:t>, 0, </m:t>
-                      </m:r>
-                      <m:r>
-                        <a:rPr lang="en-US" altLang="ja-JP" sz="1200" b="0" i="1" smtClean="0">
-                          <a:latin typeface="Cambria Math"/>
-                          <a:ea typeface="HG丸ｺﾞｼｯｸM-PRO" panose="020F0600000000000000" pitchFamily="50" charset="-128"/>
-                          <a:cs typeface="Courier New" pitchFamily="49" charset="0"/>
-                        </a:rPr>
-                        <m:t>𝑃</m:t>
-                      </m:r>
-                      <m:r>
-                        <a:rPr lang="en-US" altLang="ja-JP" sz="1200" b="0" i="1" smtClean="0">
-                          <a:latin typeface="Cambria Math"/>
-                          <a:ea typeface="HG丸ｺﾞｼｯｸM-PRO" panose="020F0600000000000000" pitchFamily="50" charset="-128"/>
-                          <a:cs typeface="Courier New" pitchFamily="49" charset="0"/>
-                        </a:rPr>
-                        <m:t>)</m:t>
-                      </m:r>
-                    </m:oMath>
-                  </m:oMathPara>
-                </a14:m>
-                <a:endParaRPr lang="en-US" altLang="ja-JP" sz="1200">
-                  <a:latin typeface="HG丸ｺﾞｼｯｸM-PRO" panose="020F0600000000000000" pitchFamily="50" charset="-128"/>
-                  <a:ea typeface="HG丸ｺﾞｼｯｸM-PRO" panose="020F0600000000000000" pitchFamily="50" charset="-128"/>
-                  <a:cs typeface="Courier New" pitchFamily="49" charset="0"/>
-                </a:endParaRPr>
-              </a:p>
-            </p:txBody>
-          </p:sp>
-        </mc:Choice>
-        <mc:Fallback>
-          <p:sp>
-            <p:nvSpPr>
-              <p:cNvPr id="34" name="テキスト ボックス 33"/>
-              <p:cNvSpPr txBox="1">
-                <a:spLocks noRot="1" noChangeAspect="1" noMove="1" noResize="1" noEditPoints="1" noAdjustHandles="1" noChangeArrowheads="1" noChangeShapeType="1" noTextEdit="1"/>
-              </p:cNvSpPr>
-              <p:nvPr/>
-            </p:nvSpPr>
-            <p:spPr>
-              <a:xfrm>
-                <a:off x="1608119" y="2675112"/>
-                <a:ext cx="542261" cy="276999"/>
-              </a:xfrm>
-              <a:prstGeom prst="rect">
-                <a:avLst/>
-              </a:prstGeom>
-              <a:blipFill rotWithShape="1">
-                <a:blip r:embed="rId3"/>
-                <a:stretch>
-                  <a:fillRect r="-41573" b="-13333"/>
-                </a:stretch>
-              </a:blipFill>
-              <a:ln w="19050" cap="rnd">
-                <a:noFill/>
-                <a:prstDash val="sysDash"/>
-              </a:ln>
-            </p:spPr>
-            <p:txBody>
-              <a:bodyPr/>
-              <a:lstStyle/>
-              <a:p>
-                <a:r>
-                  <a:rPr lang="ja-JP" altLang="en-US">
-                    <a:noFill/>
-                  </a:rPr>
-                  <a:t> </a:t>
-                </a:r>
-              </a:p>
-            </p:txBody>
-          </p:sp>
-        </mc:Fallback>
-      </mc:AlternateContent>
-      <p:sp>
-        <p:nvSpPr>
-          <p:cNvPr id="20" name="円/楕円 19"/>
-          <p:cNvSpPr/>
-          <p:nvPr/>
-        </p:nvSpPr>
-        <p:spPr>
-          <a:xfrm flipV="1">
-            <a:off x="1459214" y="2195264"/>
-            <a:ext cx="45719" cy="45719"/>
-          </a:xfrm>
-          <a:prstGeom prst="ellipse">
-            <a:avLst/>
-          </a:prstGeom>
-          <a:solidFill>
-            <a:schemeClr val="bg1"/>
-          </a:solidFill>
-          <a:ln w="6350">
-            <a:solidFill>
-              <a:srgbClr val="000000"/>
-            </a:solidFill>
-          </a:ln>
-        </p:spPr>
-        <p:style>
-          <a:lnRef idx="2">
-            <a:schemeClr val="accent1">
-              <a:shade val="50000"/>
-            </a:schemeClr>
-          </a:lnRef>
-          <a:fillRef idx="1">
-            <a:schemeClr val="accent1"/>
-          </a:fillRef>
-          <a:effectRef idx="0">
-            <a:schemeClr val="accent1"/>
-          </a:effectRef>
-          <a:fontRef idx="minor">
-            <a:schemeClr val="lt1"/>
-          </a:fontRef>
-        </p:style>
-        <p:txBody>
-          <a:bodyPr rtlCol="0" anchor="ctr"/>
-          <a:lstStyle/>
-          <a:p>
-            <a:pPr algn="ctr"/>
-            <a:endParaRPr kumimoji="1" lang="ja-JP" altLang="en-US"/>
-          </a:p>
-        </p:txBody>
-      </p:sp>
-      <p:sp>
-        <p:nvSpPr>
-          <p:cNvPr id="41" name="円/楕円 40"/>
-          <p:cNvSpPr/>
-          <p:nvPr/>
-        </p:nvSpPr>
-        <p:spPr>
-          <a:xfrm flipV="1">
-            <a:off x="2730587" y="2050304"/>
-            <a:ext cx="45719" cy="45719"/>
-          </a:xfrm>
-          <a:prstGeom prst="ellipse">
-            <a:avLst/>
-          </a:prstGeom>
-          <a:solidFill>
-            <a:schemeClr val="bg1"/>
-          </a:solidFill>
-          <a:ln w="6350">
-            <a:solidFill>
-              <a:srgbClr val="000000"/>
-            </a:solidFill>
-          </a:ln>
-        </p:spPr>
-        <p:style>
-          <a:lnRef idx="2">
-            <a:schemeClr val="accent1">
-              <a:shade val="50000"/>
-            </a:schemeClr>
-          </a:lnRef>
-          <a:fillRef idx="1">
-            <a:schemeClr val="accent1"/>
-          </a:fillRef>
-          <a:effectRef idx="0">
-            <a:schemeClr val="accent1"/>
-          </a:effectRef>
-          <a:fontRef idx="minor">
-            <a:schemeClr val="lt1"/>
-          </a:fontRef>
-        </p:style>
-        <p:txBody>
-          <a:bodyPr rtlCol="0" anchor="ctr"/>
-          <a:lstStyle/>
-          <a:p>
-            <a:pPr algn="ctr"/>
-            <a:endParaRPr kumimoji="1" lang="ja-JP" altLang="en-US"/>
-          </a:p>
-        </p:txBody>
-      </p:sp>
-      <p:cxnSp>
-        <p:nvCxnSpPr>
-          <p:cNvPr id="23" name="直線矢印コネクタ 22"/>
-          <p:cNvCxnSpPr/>
-          <p:nvPr/>
-        </p:nvCxnSpPr>
-        <p:spPr>
-          <a:xfrm>
-            <a:off x="969390" y="2582151"/>
-            <a:ext cx="993880" cy="507958"/>
-          </a:xfrm>
-          <a:prstGeom prst="straightConnector1">
-            <a:avLst/>
-          </a:prstGeom>
-          <a:ln w="3175">
-            <a:solidFill>
-              <a:schemeClr val="tx1"/>
-            </a:solidFill>
-            <a:tailEnd type="arrow"/>
-          </a:ln>
-        </p:spPr>
-        <p:style>
-          <a:lnRef idx="1">
-            <a:schemeClr val="accent1"/>
-          </a:lnRef>
-          <a:fillRef idx="0">
-            <a:schemeClr val="accent1"/>
-          </a:fillRef>
-          <a:effectRef idx="0">
-            <a:schemeClr val="accent1"/>
-          </a:effectRef>
-          <a:fontRef idx="minor">
-            <a:schemeClr val="tx1"/>
-          </a:fontRef>
-        </p:style>
-      </p:cxnSp>
-      <mc:AlternateContent xmlns:mc="http://schemas.openxmlformats.org/markup-compatibility/2006">
-        <mc:Choice xmlns:a14="http://schemas.microsoft.com/office/drawing/2010/main" Requires="a14">
-          <p:sp>
-            <p:nvSpPr>
-              <p:cNvPr id="26" name="テキスト ボックス 25"/>
-              <p:cNvSpPr txBox="1"/>
-              <p:nvPr/>
-            </p:nvSpPr>
-            <p:spPr>
-              <a:xfrm>
-                <a:off x="1961345" y="2952111"/>
-                <a:ext cx="285613" cy="276999"/>
-              </a:xfrm>
-              <a:prstGeom prst="rect">
-                <a:avLst/>
-              </a:prstGeom>
-              <a:noFill/>
-              <a:ln w="19050" cap="rnd">
-                <a:noFill/>
-                <a:prstDash val="sysDash"/>
-              </a:ln>
-            </p:spPr>
-            <p:txBody>
-              <a:bodyPr wrap="square" rtlCol="0">
-                <a:spAutoFit/>
-              </a:bodyPr>
-              <a:lstStyle/>
-              <a:p>
-                <a:pPr/>
-                <a14:m>
-                  <m:oMathPara xmlns:m="http://schemas.openxmlformats.org/officeDocument/2006/math">
-                    <m:oMathParaPr>
-                      <m:jc m:val="centerGroup"/>
-                    </m:oMathParaPr>
-                    <m:oMath xmlns:m="http://schemas.openxmlformats.org/officeDocument/2006/math">
-                      <m:r>
-                        <a:rPr lang="en-US" altLang="ja-JP" sz="1200" b="0" i="1" smtClean="0">
-                          <a:latin typeface="Cambria Math"/>
-                          <a:ea typeface="HG丸ｺﾞｼｯｸM-PRO" panose="020F0600000000000000" pitchFamily="50" charset="-128"/>
-                          <a:cs typeface="Courier New" pitchFamily="49" charset="0"/>
-                        </a:rPr>
-                        <m:t>𝑥</m:t>
-                      </m:r>
-                    </m:oMath>
-                  </m:oMathPara>
-                </a14:m>
-                <a:endParaRPr lang="en-US" altLang="ja-JP" sz="1200">
-                  <a:latin typeface="HG丸ｺﾞｼｯｸM-PRO" panose="020F0600000000000000" pitchFamily="50" charset="-128"/>
-                  <a:ea typeface="HG丸ｺﾞｼｯｸM-PRO" panose="020F0600000000000000" pitchFamily="50" charset="-128"/>
-                  <a:cs typeface="Courier New" pitchFamily="49" charset="0"/>
-                </a:endParaRPr>
-              </a:p>
-            </p:txBody>
-          </p:sp>
-        </mc:Choice>
-        <mc:Fallback>
-          <p:sp>
-            <p:nvSpPr>
-              <p:cNvPr id="26" name="テキスト ボックス 25"/>
-              <p:cNvSpPr txBox="1">
-                <a:spLocks noRot="1" noChangeAspect="1" noMove="1" noResize="1" noEditPoints="1" noAdjustHandles="1" noChangeArrowheads="1" noChangeShapeType="1" noTextEdit="1"/>
-              </p:cNvSpPr>
-              <p:nvPr/>
-            </p:nvSpPr>
-            <p:spPr>
-              <a:xfrm>
-                <a:off x="1961345" y="2952111"/>
-                <a:ext cx="285613" cy="276999"/>
-              </a:xfrm>
-              <a:prstGeom prst="rect">
-                <a:avLst/>
-              </a:prstGeom>
-              <a:blipFill rotWithShape="1">
-                <a:blip r:embed="rId4"/>
-                <a:stretch>
-                  <a:fillRect/>
-                </a:stretch>
-              </a:blipFill>
-              <a:ln w="19050" cap="rnd">
-                <a:noFill/>
-                <a:prstDash val="sysDash"/>
-              </a:ln>
-            </p:spPr>
-            <p:txBody>
-              <a:bodyPr/>
-              <a:lstStyle/>
-              <a:p>
-                <a:r>
-                  <a:rPr lang="ja-JP" altLang="en-US">
-                    <a:noFill/>
-                  </a:rPr>
-                  <a:t> </a:t>
-                </a:r>
-              </a:p>
-            </p:txBody>
-          </p:sp>
-        </mc:Fallback>
-      </mc:AlternateContent>
-      <mc:AlternateContent xmlns:mc="http://schemas.openxmlformats.org/markup-compatibility/2006">
-        <mc:Choice xmlns:a14="http://schemas.microsoft.com/office/drawing/2010/main" Requires="a14">
-          <p:sp>
-            <p:nvSpPr>
-              <p:cNvPr id="28" name="テキスト ボックス 27"/>
-              <p:cNvSpPr txBox="1"/>
-              <p:nvPr/>
-            </p:nvSpPr>
-            <p:spPr>
-              <a:xfrm>
-                <a:off x="856982" y="1355254"/>
-                <a:ext cx="285613" cy="276999"/>
-              </a:xfrm>
-              <a:prstGeom prst="rect">
-                <a:avLst/>
-              </a:prstGeom>
-              <a:noFill/>
-              <a:ln w="19050" cap="rnd">
-                <a:noFill/>
-                <a:prstDash val="sysDash"/>
-              </a:ln>
-            </p:spPr>
-            <p:txBody>
-              <a:bodyPr wrap="square" rtlCol="0">
-                <a:spAutoFit/>
-              </a:bodyPr>
-              <a:lstStyle/>
-              <a:p>
-                <a:pPr/>
-                <a14:m>
-                  <m:oMathPara xmlns:m="http://schemas.openxmlformats.org/officeDocument/2006/math">
-                    <m:oMathParaPr>
-                      <m:jc m:val="centerGroup"/>
-                    </m:oMathParaPr>
-                    <m:oMath xmlns:m="http://schemas.openxmlformats.org/officeDocument/2006/math">
-                      <m:r>
-                        <a:rPr lang="en-US" altLang="ja-JP" sz="1200" b="0" i="1" smtClean="0">
-                          <a:latin typeface="Cambria Math"/>
-                          <a:ea typeface="HG丸ｺﾞｼｯｸM-PRO" panose="020F0600000000000000" pitchFamily="50" charset="-128"/>
-                          <a:cs typeface="Courier New" pitchFamily="49" charset="0"/>
-                        </a:rPr>
-                        <m:t>𝑧</m:t>
-                      </m:r>
-                    </m:oMath>
-                  </m:oMathPara>
-                </a14:m>
-                <a:endParaRPr lang="en-US" altLang="ja-JP" sz="1200">
-                  <a:latin typeface="HG丸ｺﾞｼｯｸM-PRO" panose="020F0600000000000000" pitchFamily="50" charset="-128"/>
-                  <a:ea typeface="HG丸ｺﾞｼｯｸM-PRO" panose="020F0600000000000000" pitchFamily="50" charset="-128"/>
-                  <a:cs typeface="Courier New" pitchFamily="49" charset="0"/>
-                </a:endParaRPr>
-              </a:p>
-            </p:txBody>
-          </p:sp>
-        </mc:Choice>
-        <mc:Fallback>
-          <p:sp>
-            <p:nvSpPr>
-              <p:cNvPr id="28" name="テキスト ボックス 27"/>
-              <p:cNvSpPr txBox="1">
-                <a:spLocks noRot="1" noChangeAspect="1" noMove="1" noResize="1" noEditPoints="1" noAdjustHandles="1" noChangeArrowheads="1" noChangeShapeType="1" noTextEdit="1"/>
-              </p:cNvSpPr>
-              <p:nvPr/>
-            </p:nvSpPr>
-            <p:spPr>
-              <a:xfrm>
-                <a:off x="856982" y="1355254"/>
-                <a:ext cx="285613" cy="276999"/>
-              </a:xfrm>
-              <a:prstGeom prst="rect">
-                <a:avLst/>
-              </a:prstGeom>
-              <a:blipFill rotWithShape="1">
-                <a:blip r:embed="rId5"/>
-                <a:stretch>
-                  <a:fillRect/>
-                </a:stretch>
-              </a:blipFill>
-              <a:ln w="19050" cap="rnd">
-                <a:noFill/>
-                <a:prstDash val="sysDash"/>
-              </a:ln>
-            </p:spPr>
-            <p:txBody>
-              <a:bodyPr/>
-              <a:lstStyle/>
-              <a:p>
-                <a:r>
-                  <a:rPr lang="ja-JP" altLang="en-US">
-                    <a:noFill/>
-                  </a:rPr>
-                  <a:t> </a:t>
-                </a:r>
-              </a:p>
-            </p:txBody>
-          </p:sp>
-        </mc:Fallback>
-      </mc:AlternateContent>
-      <p:cxnSp>
-        <p:nvCxnSpPr>
-          <p:cNvPr id="30" name="直線矢印コネクタ 29"/>
-          <p:cNvCxnSpPr/>
-          <p:nvPr/>
-        </p:nvCxnSpPr>
-        <p:spPr>
-          <a:xfrm>
-            <a:off x="979272" y="2586685"/>
-            <a:ext cx="623958" cy="128009"/>
-          </a:xfrm>
-          <a:prstGeom prst="straightConnector1">
-            <a:avLst/>
-          </a:prstGeom>
-          <a:ln w="6350">
-            <a:solidFill>
-              <a:schemeClr val="tx1"/>
-            </a:solidFill>
-            <a:tailEnd type="triangle"/>
-          </a:ln>
-        </p:spPr>
-        <p:style>
-          <a:lnRef idx="1">
-            <a:schemeClr val="accent1"/>
-          </a:lnRef>
-          <a:fillRef idx="0">
-            <a:schemeClr val="accent1"/>
-          </a:fillRef>
-          <a:effectRef idx="0">
-            <a:schemeClr val="accent1"/>
-          </a:effectRef>
-          <a:fontRef idx="minor">
-            <a:schemeClr val="tx1"/>
-          </a:fontRef>
-        </p:style>
-      </p:cxnSp>
-      <p:cxnSp>
-        <p:nvCxnSpPr>
-          <p:cNvPr id="32" name="直線矢印コネクタ 31"/>
-          <p:cNvCxnSpPr/>
-          <p:nvPr/>
-        </p:nvCxnSpPr>
-        <p:spPr>
-          <a:xfrm flipV="1">
-            <a:off x="1603230" y="2725609"/>
-            <a:ext cx="0" cy="175036"/>
-          </a:xfrm>
-          <a:prstGeom prst="straightConnector1">
-            <a:avLst/>
-          </a:prstGeom>
-          <a:ln w="3175">
-            <a:solidFill>
-              <a:schemeClr val="tx1"/>
-            </a:solidFill>
-            <a:prstDash val="lgDashDot"/>
-            <a:tailEnd type="none"/>
-          </a:ln>
-        </p:spPr>
-        <p:style>
-          <a:lnRef idx="1">
-            <a:schemeClr val="accent1"/>
-          </a:lnRef>
-          <a:fillRef idx="0">
-            <a:schemeClr val="accent1"/>
-          </a:fillRef>
-          <a:effectRef idx="0">
-            <a:schemeClr val="accent1"/>
-          </a:effectRef>
-          <a:fontRef idx="minor">
-            <a:schemeClr val="tx1"/>
-          </a:fontRef>
-        </p:style>
-      </p:cxnSp>
-      <p:cxnSp>
-        <p:nvCxnSpPr>
-          <p:cNvPr id="35" name="直線矢印コネクタ 34"/>
-          <p:cNvCxnSpPr>
-            <a:endCxn id="20" idx="1"/>
-          </p:cNvCxnSpPr>
-          <p:nvPr/>
-        </p:nvCxnSpPr>
-        <p:spPr>
-          <a:xfrm flipV="1">
-            <a:off x="969390" y="2234288"/>
-            <a:ext cx="496519" cy="347889"/>
-          </a:xfrm>
-          <a:prstGeom prst="straightConnector1">
-            <a:avLst/>
-          </a:prstGeom>
-          <a:ln w="6350">
-            <a:solidFill>
-              <a:schemeClr val="tx1"/>
-            </a:solidFill>
-            <a:tailEnd type="triangle"/>
-          </a:ln>
-        </p:spPr>
-        <p:style>
-          <a:lnRef idx="1">
-            <a:schemeClr val="accent1"/>
-          </a:lnRef>
-          <a:fillRef idx="0">
-            <a:schemeClr val="accent1"/>
-          </a:fillRef>
-          <a:effectRef idx="0">
-            <a:schemeClr val="accent1"/>
-          </a:effectRef>
-          <a:fontRef idx="minor">
-            <a:schemeClr val="tx1"/>
-          </a:fontRef>
-        </p:style>
-      </p:cxnSp>
-      <p:cxnSp>
-        <p:nvCxnSpPr>
-          <p:cNvPr id="39" name="直線矢印コネクタ 38"/>
-          <p:cNvCxnSpPr>
-            <a:endCxn id="20" idx="0"/>
-          </p:cNvCxnSpPr>
-          <p:nvPr/>
-        </p:nvCxnSpPr>
-        <p:spPr>
-          <a:xfrm flipV="1">
-            <a:off x="1472335" y="2240983"/>
-            <a:ext cx="9739" cy="341169"/>
-          </a:xfrm>
-          <a:prstGeom prst="straightConnector1">
-            <a:avLst/>
-          </a:prstGeom>
-          <a:ln w="3175">
-            <a:solidFill>
-              <a:schemeClr val="tx1"/>
-            </a:solidFill>
-            <a:prstDash val="lgDashDot"/>
-            <a:tailEnd type="none"/>
-          </a:ln>
-        </p:spPr>
-        <p:style>
-          <a:lnRef idx="1">
-            <a:schemeClr val="accent1"/>
-          </a:lnRef>
-          <a:fillRef idx="0">
-            <a:schemeClr val="accent1"/>
-          </a:fillRef>
-          <a:effectRef idx="0">
-            <a:schemeClr val="accent1"/>
-          </a:effectRef>
-          <a:fontRef idx="minor">
-            <a:schemeClr val="tx1"/>
-          </a:fontRef>
-        </p:style>
-      </p:cxnSp>
-      <mc:AlternateContent xmlns:mc="http://schemas.openxmlformats.org/markup-compatibility/2006">
-        <mc:Choice xmlns:a14="http://schemas.microsoft.com/office/drawing/2010/main" Requires="a14">
-          <p:sp>
-            <p:nvSpPr>
-              <p:cNvPr id="45" name="テキスト ボックス 44"/>
-              <p:cNvSpPr txBox="1"/>
-              <p:nvPr/>
-            </p:nvSpPr>
-            <p:spPr>
-              <a:xfrm>
-                <a:off x="883150" y="1907232"/>
-                <a:ext cx="542261" cy="276999"/>
-              </a:xfrm>
-              <a:prstGeom prst="rect">
-                <a:avLst/>
-              </a:prstGeom>
-              <a:noFill/>
-              <a:ln w="19050" cap="rnd">
-                <a:noFill/>
-                <a:prstDash val="sysDash"/>
-              </a:ln>
-            </p:spPr>
-            <p:txBody>
-              <a:bodyPr wrap="square" rtlCol="0">
-                <a:spAutoFit/>
-              </a:bodyPr>
-              <a:lstStyle/>
-              <a:p>
-                <a:pPr/>
-                <a14:m>
-                  <m:oMathPara xmlns:m="http://schemas.openxmlformats.org/officeDocument/2006/math">
-                    <m:oMathParaPr>
-                      <m:jc m:val="centerGroup"/>
-                    </m:oMathParaPr>
-                    <m:oMath xmlns:m="http://schemas.openxmlformats.org/officeDocument/2006/math">
-                      <m:r>
-                        <a:rPr lang="en-US" altLang="ja-JP" sz="1200" b="0" i="1" smtClean="0">
-                          <a:latin typeface="Cambria Math"/>
-                          <a:ea typeface="HG丸ｺﾞｼｯｸM-PRO" panose="020F0600000000000000" pitchFamily="50" charset="-128"/>
-                          <a:cs typeface="Courier New" pitchFamily="49" charset="0"/>
-                        </a:rPr>
-                        <m:t>(0, </m:t>
-                      </m:r>
-                      <m:r>
-                        <a:rPr lang="en-US" altLang="ja-JP" sz="1200" b="0" i="1" smtClean="0">
-                          <a:latin typeface="Cambria Math"/>
-                          <a:ea typeface="HG丸ｺﾞｼｯｸM-PRO" panose="020F0600000000000000" pitchFamily="50" charset="-128"/>
-                          <a:cs typeface="Courier New" pitchFamily="49" charset="0"/>
-                        </a:rPr>
-                        <m:t>𝑦𝑃</m:t>
-                      </m:r>
-                      <m:r>
-                        <a:rPr lang="en-US" altLang="ja-JP" sz="1200" b="0" i="1" smtClean="0">
-                          <a:latin typeface="Cambria Math"/>
-                          <a:ea typeface="HG丸ｺﾞｼｯｸM-PRO" panose="020F0600000000000000" pitchFamily="50" charset="-128"/>
-                          <a:cs typeface="Courier New" pitchFamily="49" charset="0"/>
-                        </a:rPr>
-                        <m:t>, </m:t>
-                      </m:r>
-                      <m:r>
-                        <a:rPr lang="en-US" altLang="ja-JP" sz="1200" b="0" i="1" smtClean="0">
-                          <a:latin typeface="Cambria Math"/>
-                          <a:ea typeface="HG丸ｺﾞｼｯｸM-PRO" panose="020F0600000000000000" pitchFamily="50" charset="-128"/>
-                          <a:cs typeface="Courier New" pitchFamily="49" charset="0"/>
-                        </a:rPr>
-                        <m:t>𝑃</m:t>
-                      </m:r>
-                      <m:r>
-                        <a:rPr lang="en-US" altLang="ja-JP" sz="1200" b="0" i="1" smtClean="0">
-                          <a:latin typeface="Cambria Math"/>
-                          <a:ea typeface="HG丸ｺﾞｼｯｸM-PRO" panose="020F0600000000000000" pitchFamily="50" charset="-128"/>
-                          <a:cs typeface="Courier New" pitchFamily="49" charset="0"/>
-                        </a:rPr>
-                        <m:t>)</m:t>
-                      </m:r>
-                    </m:oMath>
-                  </m:oMathPara>
-                </a14:m>
-                <a:endParaRPr lang="en-US" altLang="ja-JP" sz="1200">
-                  <a:latin typeface="HG丸ｺﾞｼｯｸM-PRO" panose="020F0600000000000000" pitchFamily="50" charset="-128"/>
-                  <a:ea typeface="HG丸ｺﾞｼｯｸM-PRO" panose="020F0600000000000000" pitchFamily="50" charset="-128"/>
-                  <a:cs typeface="Courier New" pitchFamily="49" charset="0"/>
-                </a:endParaRPr>
-              </a:p>
-            </p:txBody>
-          </p:sp>
-        </mc:Choice>
-        <mc:Fallback>
-          <p:sp>
-            <p:nvSpPr>
-              <p:cNvPr id="45" name="テキスト ボックス 44"/>
-              <p:cNvSpPr txBox="1">
-                <a:spLocks noRot="1" noChangeAspect="1" noMove="1" noResize="1" noEditPoints="1" noAdjustHandles="1" noChangeArrowheads="1" noChangeShapeType="1" noTextEdit="1"/>
-              </p:cNvSpPr>
-              <p:nvPr/>
-            </p:nvSpPr>
-            <p:spPr>
-              <a:xfrm>
-                <a:off x="883150" y="1907232"/>
-                <a:ext cx="542261" cy="276999"/>
-              </a:xfrm>
-              <a:prstGeom prst="rect">
-                <a:avLst/>
-              </a:prstGeom>
-              <a:blipFill rotWithShape="1">
-                <a:blip r:embed="rId6"/>
-                <a:stretch>
-                  <a:fillRect r="-42697" b="-13333"/>
-                </a:stretch>
-              </a:blipFill>
-              <a:ln w="19050" cap="rnd">
-                <a:noFill/>
-                <a:prstDash val="sysDash"/>
-              </a:ln>
-            </p:spPr>
-            <p:txBody>
-              <a:bodyPr/>
-              <a:lstStyle/>
-              <a:p>
-                <a:r>
-                  <a:rPr lang="ja-JP" altLang="en-US">
-                    <a:noFill/>
-                  </a:rPr>
-                  <a:t> </a:t>
-                </a:r>
-              </a:p>
-            </p:txBody>
-          </p:sp>
-        </mc:Fallback>
-      </mc:AlternateContent>
-      <p:sp>
-        <p:nvSpPr>
-          <p:cNvPr id="47" name="円/楕円 46"/>
-          <p:cNvSpPr/>
-          <p:nvPr/>
-        </p:nvSpPr>
-        <p:spPr>
-          <a:xfrm flipV="1">
-            <a:off x="1580370" y="2691834"/>
-            <a:ext cx="45719" cy="45719"/>
-          </a:xfrm>
-          <a:prstGeom prst="ellipse">
-            <a:avLst/>
-          </a:prstGeom>
-          <a:solidFill>
-            <a:schemeClr val="bg1"/>
-          </a:solidFill>
-          <a:ln w="6350">
-            <a:solidFill>
-              <a:srgbClr val="000000"/>
-            </a:solidFill>
-          </a:ln>
-        </p:spPr>
-        <p:style>
-          <a:lnRef idx="2">
-            <a:schemeClr val="accent1">
-              <a:shade val="50000"/>
-            </a:schemeClr>
-          </a:lnRef>
-          <a:fillRef idx="1">
-            <a:schemeClr val="accent1"/>
-          </a:fillRef>
-          <a:effectRef idx="0">
-            <a:schemeClr val="accent1"/>
-          </a:effectRef>
-          <a:fontRef idx="minor">
-            <a:schemeClr val="lt1"/>
-          </a:fontRef>
-        </p:style>
-        <p:txBody>
-          <a:bodyPr rtlCol="0" anchor="ctr"/>
-          <a:lstStyle/>
-          <a:p>
-            <a:pPr algn="ctr"/>
-            <a:endParaRPr kumimoji="1" lang="ja-JP" altLang="en-US"/>
-          </a:p>
-        </p:txBody>
-      </p:sp>
-      <mc:AlternateContent xmlns:mc="http://schemas.openxmlformats.org/markup-compatibility/2006">
-        <mc:Choice xmlns:a14="http://schemas.microsoft.com/office/drawing/2010/main" Requires="a14">
-          <p:sp>
-            <p:nvSpPr>
-              <p:cNvPr id="48" name="テキスト ボックス 47"/>
-              <p:cNvSpPr txBox="1"/>
-              <p:nvPr/>
-            </p:nvSpPr>
-            <p:spPr>
-              <a:xfrm>
-                <a:off x="2267897" y="1745872"/>
-                <a:ext cx="1062020" cy="276999"/>
-              </a:xfrm>
-              <a:prstGeom prst="rect">
-                <a:avLst/>
-              </a:prstGeom>
-              <a:noFill/>
-              <a:ln w="19050" cap="rnd">
-                <a:noFill/>
-                <a:prstDash val="sysDash"/>
-              </a:ln>
-            </p:spPr>
-            <p:txBody>
-              <a:bodyPr wrap="square" rtlCol="0">
-                <a:spAutoFit/>
-              </a:bodyPr>
-              <a:lstStyle/>
-              <a:p>
-                <a:pPr/>
-                <a14:m>
-                  <m:oMathPara xmlns:m="http://schemas.openxmlformats.org/officeDocument/2006/math">
-                    <m:oMathParaPr>
-                      <m:jc m:val="centerGroup"/>
-                    </m:oMathParaPr>
-                    <m:oMath xmlns:m="http://schemas.openxmlformats.org/officeDocument/2006/math">
-                      <m:r>
-                        <a:rPr lang="en-US" altLang="ja-JP" sz="1200" b="0" i="1" smtClean="0">
-                          <a:latin typeface="Cambria Math"/>
-                          <a:ea typeface="HG丸ｺﾞｼｯｸM-PRO" panose="020F0600000000000000" pitchFamily="50" charset="-128"/>
-                          <a:cs typeface="Courier New" pitchFamily="49" charset="0"/>
-                        </a:rPr>
-                        <m:t>(</m:t>
-                      </m:r>
-                      <m:r>
-                        <a:rPr lang="en-US" altLang="ja-JP" sz="1200" b="0" i="1" smtClean="0">
-                          <a:latin typeface="Cambria Math"/>
-                          <a:ea typeface="HG丸ｺﾞｼｯｸM-PRO" panose="020F0600000000000000" pitchFamily="50" charset="-128"/>
-                          <a:cs typeface="Courier New" pitchFamily="49" charset="0"/>
-                        </a:rPr>
-                        <m:t>𝑎𝑥𝑃</m:t>
-                      </m:r>
-                      <m:r>
-                        <a:rPr lang="en-US" altLang="ja-JP" sz="1200" b="0" i="1" smtClean="0">
-                          <a:latin typeface="Cambria Math"/>
-                          <a:ea typeface="HG丸ｺﾞｼｯｸM-PRO" panose="020F0600000000000000" pitchFamily="50" charset="-128"/>
-                          <a:cs typeface="Courier New" pitchFamily="49" charset="0"/>
-                        </a:rPr>
-                        <m:t>,</m:t>
-                      </m:r>
-                      <m:r>
-                        <a:rPr lang="en-US" altLang="ja-JP" sz="1200" b="0" i="1" smtClean="0">
-                          <a:latin typeface="Cambria Math"/>
-                          <a:ea typeface="HG丸ｺﾞｼｯｸM-PRO" panose="020F0600000000000000" pitchFamily="50" charset="-128"/>
-                          <a:cs typeface="Courier New" pitchFamily="49" charset="0"/>
-                        </a:rPr>
-                        <m:t>𝑏𝑦𝑃</m:t>
-                      </m:r>
-                      <m:r>
-                        <a:rPr lang="en-US" altLang="ja-JP" sz="1200" b="0" i="1" smtClean="0">
-                          <a:latin typeface="Cambria Math"/>
-                          <a:ea typeface="HG丸ｺﾞｼｯｸM-PRO" panose="020F0600000000000000" pitchFamily="50" charset="-128"/>
-                          <a:cs typeface="Courier New" pitchFamily="49" charset="0"/>
-                        </a:rPr>
-                        <m:t>,</m:t>
-                      </m:r>
-                      <m:r>
-                        <a:rPr lang="en-US" altLang="ja-JP" sz="1200" b="0" i="1" smtClean="0">
-                          <a:latin typeface="Cambria Math"/>
-                          <a:ea typeface="HG丸ｺﾞｼｯｸM-PRO" panose="020F0600000000000000" pitchFamily="50" charset="-128"/>
-                          <a:cs typeface="Courier New" pitchFamily="49" charset="0"/>
-                        </a:rPr>
-                        <m:t>𝑄</m:t>
-                      </m:r>
-                      <m:r>
-                        <a:rPr lang="en-US" altLang="ja-JP" sz="1200" b="0" i="1" smtClean="0">
-                          <a:latin typeface="Cambria Math"/>
-                          <a:ea typeface="HG丸ｺﾞｼｯｸM-PRO" panose="020F0600000000000000" pitchFamily="50" charset="-128"/>
-                          <a:cs typeface="Courier New" pitchFamily="49" charset="0"/>
-                        </a:rPr>
-                        <m:t>)</m:t>
-                      </m:r>
-                    </m:oMath>
-                  </m:oMathPara>
-                </a14:m>
-                <a:endParaRPr lang="en-US" altLang="ja-JP" sz="1200">
-                  <a:latin typeface="HG丸ｺﾞｼｯｸM-PRO" panose="020F0600000000000000" pitchFamily="50" charset="-128"/>
-                  <a:ea typeface="HG丸ｺﾞｼｯｸM-PRO" panose="020F0600000000000000" pitchFamily="50" charset="-128"/>
-                  <a:cs typeface="Courier New" pitchFamily="49" charset="0"/>
-                </a:endParaRPr>
-              </a:p>
-            </p:txBody>
-          </p:sp>
-        </mc:Choice>
-        <mc:Fallback>
-          <p:sp>
-            <p:nvSpPr>
-              <p:cNvPr id="48" name="テキスト ボックス 47"/>
-              <p:cNvSpPr txBox="1">
-                <a:spLocks noRot="1" noChangeAspect="1" noMove="1" noResize="1" noEditPoints="1" noAdjustHandles="1" noChangeArrowheads="1" noChangeShapeType="1" noTextEdit="1"/>
-              </p:cNvSpPr>
-              <p:nvPr/>
-            </p:nvSpPr>
-            <p:spPr>
-              <a:xfrm>
-                <a:off x="2267897" y="1745872"/>
-                <a:ext cx="1062020" cy="276999"/>
-              </a:xfrm>
-              <a:prstGeom prst="rect">
-                <a:avLst/>
-              </a:prstGeom>
-              <a:blipFill rotWithShape="1">
-                <a:blip r:embed="rId7"/>
-                <a:stretch>
-                  <a:fillRect b="-10870"/>
-                </a:stretch>
-              </a:blipFill>
-              <a:ln w="19050" cap="rnd">
-                <a:noFill/>
-                <a:prstDash val="sysDash"/>
-              </a:ln>
-            </p:spPr>
-            <p:txBody>
-              <a:bodyPr/>
-              <a:lstStyle/>
-              <a:p>
-                <a:r>
-                  <a:rPr lang="ja-JP" altLang="en-US">
-                    <a:noFill/>
-                  </a:rPr>
-                  <a:t> </a:t>
-                </a:r>
-              </a:p>
-            </p:txBody>
-          </p:sp>
-        </mc:Fallback>
-      </mc:AlternateContent>
-      <mc:AlternateContent xmlns:mc="http://schemas.openxmlformats.org/markup-compatibility/2006">
-        <mc:Choice xmlns:a14="http://schemas.microsoft.com/office/drawing/2010/main" Requires="a14">
-          <p:sp>
-            <p:nvSpPr>
-              <p:cNvPr id="19" name="テキスト ボックス 18"/>
-              <p:cNvSpPr txBox="1"/>
-              <p:nvPr/>
-            </p:nvSpPr>
-            <p:spPr>
-              <a:xfrm>
-                <a:off x="485800" y="2599053"/>
-                <a:ext cx="542261" cy="276999"/>
-              </a:xfrm>
-              <a:prstGeom prst="rect">
-                <a:avLst/>
-              </a:prstGeom>
-              <a:noFill/>
-              <a:ln w="19050" cap="rnd">
-                <a:noFill/>
-                <a:prstDash val="sysDash"/>
-              </a:ln>
-            </p:spPr>
-            <p:txBody>
-              <a:bodyPr wrap="square" rtlCol="0">
-                <a:spAutoFit/>
-              </a:bodyPr>
-              <a:lstStyle/>
-              <a:p>
-                <a:pPr/>
-                <a14:m>
-                  <m:oMathPara xmlns:m="http://schemas.openxmlformats.org/officeDocument/2006/math">
-                    <m:oMathParaPr>
-                      <m:jc m:val="centerGroup"/>
-                    </m:oMathParaPr>
-                    <m:oMath xmlns:m="http://schemas.openxmlformats.org/officeDocument/2006/math">
-                      <m:r>
-                        <a:rPr lang="en-US" altLang="ja-JP" sz="1200" b="0" i="1" smtClean="0">
-                          <a:latin typeface="Cambria Math"/>
-                          <a:ea typeface="HG丸ｺﾞｼｯｸM-PRO" panose="020F0600000000000000" pitchFamily="50" charset="-128"/>
-                          <a:cs typeface="Courier New" pitchFamily="49" charset="0"/>
-                        </a:rPr>
-                        <m:t>(0, 0,0)</m:t>
-                      </m:r>
-                    </m:oMath>
-                  </m:oMathPara>
-                </a14:m>
-                <a:endParaRPr lang="en-US" altLang="ja-JP" sz="1200">
-                  <a:latin typeface="HG丸ｺﾞｼｯｸM-PRO" panose="020F0600000000000000" pitchFamily="50" charset="-128"/>
-                  <a:ea typeface="HG丸ｺﾞｼｯｸM-PRO" panose="020F0600000000000000" pitchFamily="50" charset="-128"/>
-                  <a:cs typeface="Courier New" pitchFamily="49" charset="0"/>
-                </a:endParaRPr>
-              </a:p>
-            </p:txBody>
-          </p:sp>
-        </mc:Choice>
-        <mc:Fallback>
-          <p:sp>
-            <p:nvSpPr>
-              <p:cNvPr id="19" name="テキスト ボックス 18"/>
-              <p:cNvSpPr txBox="1">
-                <a:spLocks noRot="1" noChangeAspect="1" noMove="1" noResize="1" noEditPoints="1" noAdjustHandles="1" noChangeArrowheads="1" noChangeShapeType="1" noTextEdit="1"/>
-              </p:cNvSpPr>
-              <p:nvPr/>
-            </p:nvSpPr>
-            <p:spPr>
-              <a:xfrm>
-                <a:off x="485800" y="2599053"/>
-                <a:ext cx="542261" cy="276999"/>
-              </a:xfrm>
-              <a:prstGeom prst="rect">
-                <a:avLst/>
-              </a:prstGeom>
-              <a:blipFill rotWithShape="1">
-                <a:blip r:embed="rId8"/>
-                <a:stretch>
-                  <a:fillRect r="-16854" b="-10870"/>
-                </a:stretch>
-              </a:blipFill>
-              <a:ln w="19050" cap="rnd">
-                <a:noFill/>
-                <a:prstDash val="sysDash"/>
-              </a:ln>
-            </p:spPr>
-            <p:txBody>
-              <a:bodyPr/>
-              <a:lstStyle/>
-              <a:p>
-                <a:r>
-                  <a:rPr lang="ja-JP" altLang="en-US">
-                    <a:noFill/>
-                  </a:rPr>
-                  <a:t> </a:t>
-                </a:r>
-              </a:p>
-            </p:txBody>
-          </p:sp>
-        </mc:Fallback>
-      </mc:AlternateContent>
-      <p:sp>
-        <p:nvSpPr>
-          <p:cNvPr id="25" name="円/楕円 24"/>
-          <p:cNvSpPr/>
-          <p:nvPr/>
-        </p:nvSpPr>
-        <p:spPr>
-          <a:xfrm flipV="1">
-            <a:off x="2732048" y="2194428"/>
-            <a:ext cx="45719" cy="45719"/>
-          </a:xfrm>
-          <a:prstGeom prst="ellipse">
-            <a:avLst/>
-          </a:prstGeom>
-          <a:solidFill>
-            <a:schemeClr val="bg1"/>
-          </a:solidFill>
-          <a:ln w="6350">
-            <a:solidFill>
-              <a:srgbClr val="000000"/>
-            </a:solidFill>
-          </a:ln>
-        </p:spPr>
-        <p:style>
-          <a:lnRef idx="2">
-            <a:schemeClr val="accent1">
-              <a:shade val="50000"/>
-            </a:schemeClr>
-          </a:lnRef>
-          <a:fillRef idx="1">
-            <a:schemeClr val="accent1"/>
-          </a:fillRef>
-          <a:effectRef idx="0">
-            <a:schemeClr val="accent1"/>
-          </a:effectRef>
-          <a:fontRef idx="minor">
-            <a:schemeClr val="lt1"/>
-          </a:fontRef>
-        </p:style>
-        <p:txBody>
-          <a:bodyPr rtlCol="0" anchor="ctr"/>
-          <a:lstStyle/>
-          <a:p>
-            <a:pPr algn="ctr"/>
-            <a:endParaRPr kumimoji="1" lang="ja-JP" altLang="en-US"/>
-          </a:p>
-        </p:txBody>
-      </p:sp>
       <mc:AlternateContent xmlns:mc="http://schemas.openxmlformats.org/markup-compatibility/2006">
         <mc:Choice xmlns:a14="http://schemas.microsoft.com/office/drawing/2010/main" Requires="a14">
           <p:sp>
@@ -3405,7 +2107,7 @@
                 <a:avLst/>
               </a:prstGeom>
               <a:blipFill rotWithShape="1">
-                <a:blip r:embed="rId9"/>
+                <a:blip r:embed="rId2"/>
                 <a:stretch>
                   <a:fillRect b="-10870"/>
                 </a:stretch>
@@ -3430,6 +2132,1280 @@
           </p:sp>
         </mc:Fallback>
       </mc:AlternateContent>
+      <p:sp>
+        <p:nvSpPr>
+          <p:cNvPr id="17" name="平行四辺形 16"/>
+          <p:cNvSpPr/>
+          <p:nvPr/>
+        </p:nvSpPr>
+        <p:spPr>
+          <a:xfrm rot="657628">
+            <a:off x="1034430" y="2045498"/>
+            <a:ext cx="1689639" cy="708864"/>
+          </a:xfrm>
+          <a:prstGeom prst="parallelogram">
+            <a:avLst>
+              <a:gd name="adj" fmla="val 89274"/>
+            </a:avLst>
+          </a:prstGeom>
+          <a:solidFill>
+            <a:srgbClr val="D9D9D9">
+              <a:alpha val="49020"/>
+            </a:srgbClr>
+          </a:solidFill>
+          <a:ln>
+            <a:noFill/>
+          </a:ln>
+        </p:spPr>
+        <p:style>
+          <a:lnRef idx="2">
+            <a:schemeClr val="accent1">
+              <a:shade val="50000"/>
+            </a:schemeClr>
+          </a:lnRef>
+          <a:fillRef idx="1">
+            <a:schemeClr val="accent1"/>
+          </a:fillRef>
+          <a:effectRef idx="0">
+            <a:schemeClr val="accent1"/>
+          </a:effectRef>
+          <a:fontRef idx="minor">
+            <a:schemeClr val="lt1"/>
+          </a:fontRef>
+        </p:style>
+        <p:txBody>
+          <a:bodyPr rtlCol="0" anchor="ctr"/>
+          <a:lstStyle/>
+          <a:p>
+            <a:pPr algn="ctr"/>
+            <a:endParaRPr kumimoji="1" lang="ja-JP" altLang="en-US"/>
+          </a:p>
+        </p:txBody>
+      </p:sp>
+      <p:cxnSp>
+        <p:nvCxnSpPr>
+          <p:cNvPr id="27" name="直線矢印コネクタ 26"/>
+          <p:cNvCxnSpPr/>
+          <p:nvPr/>
+        </p:nvCxnSpPr>
+        <p:spPr>
+          <a:xfrm>
+            <a:off x="883150" y="2582151"/>
+            <a:ext cx="1656184" cy="4958"/>
+          </a:xfrm>
+          <a:prstGeom prst="straightConnector1">
+            <a:avLst/>
+          </a:prstGeom>
+          <a:ln w="3175">
+            <a:solidFill>
+              <a:schemeClr val="tx1"/>
+            </a:solidFill>
+            <a:tailEnd type="arrow"/>
+          </a:ln>
+        </p:spPr>
+        <p:style>
+          <a:lnRef idx="1">
+            <a:schemeClr val="accent1"/>
+          </a:lnRef>
+          <a:fillRef idx="0">
+            <a:schemeClr val="accent1"/>
+          </a:fillRef>
+          <a:effectRef idx="0">
+            <a:schemeClr val="accent1"/>
+          </a:effectRef>
+          <a:fontRef idx="minor">
+            <a:schemeClr val="tx1"/>
+          </a:fontRef>
+        </p:style>
+      </p:cxnSp>
+      <p:cxnSp>
+        <p:nvCxnSpPr>
+          <p:cNvPr id="29" name="直線矢印コネクタ 28"/>
+          <p:cNvCxnSpPr/>
+          <p:nvPr/>
+        </p:nvCxnSpPr>
+        <p:spPr>
+          <a:xfrm flipV="1">
+            <a:off x="968624" y="1638097"/>
+            <a:ext cx="0" cy="1001507"/>
+          </a:xfrm>
+          <a:prstGeom prst="straightConnector1">
+            <a:avLst/>
+          </a:prstGeom>
+          <a:ln w="3175">
+            <a:solidFill>
+              <a:schemeClr val="tx1"/>
+            </a:solidFill>
+            <a:tailEnd type="arrow"/>
+          </a:ln>
+        </p:spPr>
+        <p:style>
+          <a:lnRef idx="1">
+            <a:schemeClr val="accent1"/>
+          </a:lnRef>
+          <a:fillRef idx="0">
+            <a:schemeClr val="accent1"/>
+          </a:fillRef>
+          <a:effectRef idx="0">
+            <a:schemeClr val="accent1"/>
+          </a:effectRef>
+          <a:fontRef idx="minor">
+            <a:schemeClr val="tx1"/>
+          </a:fontRef>
+        </p:style>
+      </p:cxnSp>
+      <mc:AlternateContent xmlns:mc="http://schemas.openxmlformats.org/markup-compatibility/2006" xmlns:a14="http://schemas.microsoft.com/office/drawing/2010/main">
+        <mc:Choice Requires="a14">
+          <p:sp>
+            <p:nvSpPr>
+              <p:cNvPr id="31" name="テキスト ボックス 30"/>
+              <p:cNvSpPr txBox="1"/>
+              <p:nvPr/>
+            </p:nvSpPr>
+            <p:spPr>
+              <a:xfrm>
+                <a:off x="2539334" y="2448610"/>
+                <a:ext cx="285613" cy="276999"/>
+              </a:xfrm>
+              <a:prstGeom prst="rect">
+                <a:avLst/>
+              </a:prstGeom>
+              <a:noFill/>
+              <a:ln w="19050" cap="rnd">
+                <a:noFill/>
+                <a:prstDash val="sysDash"/>
+              </a:ln>
+            </p:spPr>
+            <p:txBody>
+              <a:bodyPr wrap="square" rtlCol="0">
+                <a:spAutoFit/>
+              </a:bodyPr>
+              <a:lstStyle/>
+              <a:p>
+                <a:pPr/>
+                <a14:m>
+                  <m:oMathPara xmlns:m="http://schemas.openxmlformats.org/officeDocument/2006/math">
+                    <m:oMathParaPr>
+                      <m:jc m:val="centerGroup"/>
+                    </m:oMathParaPr>
+                    <m:oMath xmlns:m="http://schemas.openxmlformats.org/officeDocument/2006/math">
+                      <m:r>
+                        <a:rPr lang="en-US" altLang="ja-JP" sz="1200" b="0" i="1" smtClean="0">
+                          <a:latin typeface="Cambria Math"/>
+                          <a:ea typeface="HG丸ｺﾞｼｯｸM-PRO" panose="020F0600000000000000" pitchFamily="50" charset="-128"/>
+                          <a:cs typeface="Courier New" pitchFamily="49" charset="0"/>
+                        </a:rPr>
+                        <m:t>𝑦</m:t>
+                      </m:r>
+                    </m:oMath>
+                  </m:oMathPara>
+                </a14:m>
+                <a:endParaRPr lang="en-US" altLang="ja-JP" sz="1200">
+                  <a:latin typeface="HG丸ｺﾞｼｯｸM-PRO" panose="020F0600000000000000" pitchFamily="50" charset="-128"/>
+                  <a:ea typeface="HG丸ｺﾞｼｯｸM-PRO" panose="020F0600000000000000" pitchFamily="50" charset="-128"/>
+                  <a:cs typeface="Courier New" pitchFamily="49" charset="0"/>
+                </a:endParaRPr>
+              </a:p>
+            </p:txBody>
+          </p:sp>
+        </mc:Choice>
+        <mc:Fallback xmlns="">
+          <p:sp>
+            <p:nvSpPr>
+              <p:cNvPr id="31" name="テキスト ボックス 30"/>
+              <p:cNvSpPr txBox="1">
+                <a:spLocks noRot="1" noChangeAspect="1" noMove="1" noResize="1" noEditPoints="1" noAdjustHandles="1" noChangeArrowheads="1" noChangeShapeType="1" noTextEdit="1"/>
+              </p:cNvSpPr>
+              <p:nvPr/>
+            </p:nvSpPr>
+            <p:spPr>
+              <a:xfrm>
+                <a:off x="2539334" y="2448610"/>
+                <a:ext cx="285613" cy="276999"/>
+              </a:xfrm>
+              <a:prstGeom prst="rect">
+                <a:avLst/>
+              </a:prstGeom>
+              <a:blipFill rotWithShape="1">
+                <a:blip r:embed="rId3"/>
+                <a:stretch>
+                  <a:fillRect b="-2222"/>
+                </a:stretch>
+              </a:blipFill>
+              <a:ln w="19050" cap="rnd">
+                <a:noFill/>
+                <a:prstDash val="sysDash"/>
+              </a:ln>
+            </p:spPr>
+            <p:txBody>
+              <a:bodyPr/>
+              <a:lstStyle/>
+              <a:p>
+                <a:r>
+                  <a:rPr lang="ja-JP" altLang="en-US">
+                    <a:noFill/>
+                  </a:rPr>
+                  <a:t> </a:t>
+                </a:r>
+              </a:p>
+            </p:txBody>
+          </p:sp>
+        </mc:Fallback>
+      </mc:AlternateContent>
+      <mc:AlternateContent xmlns:mc="http://schemas.openxmlformats.org/markup-compatibility/2006" xmlns:a14="http://schemas.microsoft.com/office/drawing/2010/main">
+        <mc:Choice Requires="a14">
+          <p:sp>
+            <p:nvSpPr>
+              <p:cNvPr id="34" name="テキスト ボックス 33"/>
+              <p:cNvSpPr txBox="1"/>
+              <p:nvPr/>
+            </p:nvSpPr>
+            <p:spPr>
+              <a:xfrm>
+                <a:off x="1608119" y="2675112"/>
+                <a:ext cx="542261" cy="276999"/>
+              </a:xfrm>
+              <a:prstGeom prst="rect">
+                <a:avLst/>
+              </a:prstGeom>
+              <a:noFill/>
+              <a:ln w="19050" cap="rnd">
+                <a:noFill/>
+                <a:prstDash val="sysDash"/>
+              </a:ln>
+            </p:spPr>
+            <p:txBody>
+              <a:bodyPr wrap="square" rtlCol="0">
+                <a:spAutoFit/>
+              </a:bodyPr>
+              <a:lstStyle/>
+              <a:p>
+                <a:pPr/>
+                <a14:m>
+                  <m:oMathPara xmlns:m="http://schemas.openxmlformats.org/officeDocument/2006/math">
+                    <m:oMathParaPr>
+                      <m:jc m:val="centerGroup"/>
+                    </m:oMathParaPr>
+                    <m:oMath xmlns:m="http://schemas.openxmlformats.org/officeDocument/2006/math">
+                      <m:r>
+                        <a:rPr lang="en-US" altLang="ja-JP" sz="1200" b="0" i="1" smtClean="0">
+                          <a:latin typeface="Cambria Math"/>
+                          <a:ea typeface="HG丸ｺﾞｼｯｸM-PRO" panose="020F0600000000000000" pitchFamily="50" charset="-128"/>
+                          <a:cs typeface="Courier New" pitchFamily="49" charset="0"/>
+                        </a:rPr>
+                        <m:t>(</m:t>
+                      </m:r>
+                      <m:r>
+                        <a:rPr lang="en-US" altLang="ja-JP" sz="1200" b="0" i="1" smtClean="0">
+                          <a:latin typeface="Cambria Math"/>
+                          <a:ea typeface="HG丸ｺﾞｼｯｸM-PRO" panose="020F0600000000000000" pitchFamily="50" charset="-128"/>
+                          <a:cs typeface="Courier New" pitchFamily="49" charset="0"/>
+                        </a:rPr>
+                        <m:t>𝑥𝑃</m:t>
+                      </m:r>
+                      <m:r>
+                        <a:rPr lang="en-US" altLang="ja-JP" sz="1200" b="0" i="1" smtClean="0">
+                          <a:latin typeface="Cambria Math"/>
+                          <a:ea typeface="HG丸ｺﾞｼｯｸM-PRO" panose="020F0600000000000000" pitchFamily="50" charset="-128"/>
+                          <a:cs typeface="Courier New" pitchFamily="49" charset="0"/>
+                        </a:rPr>
+                        <m:t>, 0, </m:t>
+                      </m:r>
+                      <m:r>
+                        <a:rPr lang="en-US" altLang="ja-JP" sz="1200" b="0" i="1" smtClean="0">
+                          <a:latin typeface="Cambria Math"/>
+                          <a:ea typeface="HG丸ｺﾞｼｯｸM-PRO" panose="020F0600000000000000" pitchFamily="50" charset="-128"/>
+                          <a:cs typeface="Courier New" pitchFamily="49" charset="0"/>
+                        </a:rPr>
+                        <m:t>𝑃</m:t>
+                      </m:r>
+                      <m:r>
+                        <a:rPr lang="en-US" altLang="ja-JP" sz="1200" b="0" i="1" smtClean="0">
+                          <a:latin typeface="Cambria Math"/>
+                          <a:ea typeface="HG丸ｺﾞｼｯｸM-PRO" panose="020F0600000000000000" pitchFamily="50" charset="-128"/>
+                          <a:cs typeface="Courier New" pitchFamily="49" charset="0"/>
+                        </a:rPr>
+                        <m:t>)</m:t>
+                      </m:r>
+                    </m:oMath>
+                  </m:oMathPara>
+                </a14:m>
+                <a:endParaRPr lang="en-US" altLang="ja-JP" sz="1200">
+                  <a:latin typeface="HG丸ｺﾞｼｯｸM-PRO" panose="020F0600000000000000" pitchFamily="50" charset="-128"/>
+                  <a:ea typeface="HG丸ｺﾞｼｯｸM-PRO" panose="020F0600000000000000" pitchFamily="50" charset="-128"/>
+                  <a:cs typeface="Courier New" pitchFamily="49" charset="0"/>
+                </a:endParaRPr>
+              </a:p>
+            </p:txBody>
+          </p:sp>
+        </mc:Choice>
+        <mc:Fallback xmlns="">
+          <p:sp>
+            <p:nvSpPr>
+              <p:cNvPr id="34" name="テキスト ボックス 33"/>
+              <p:cNvSpPr txBox="1">
+                <a:spLocks noRot="1" noChangeAspect="1" noMove="1" noResize="1" noEditPoints="1" noAdjustHandles="1" noChangeArrowheads="1" noChangeShapeType="1" noTextEdit="1"/>
+              </p:cNvSpPr>
+              <p:nvPr/>
+            </p:nvSpPr>
+            <p:spPr>
+              <a:xfrm>
+                <a:off x="1608119" y="2675112"/>
+                <a:ext cx="542261" cy="276999"/>
+              </a:xfrm>
+              <a:prstGeom prst="rect">
+                <a:avLst/>
+              </a:prstGeom>
+              <a:blipFill rotWithShape="1">
+                <a:blip r:embed="rId4"/>
+                <a:stretch>
+                  <a:fillRect r="-41573" b="-13333"/>
+                </a:stretch>
+              </a:blipFill>
+              <a:ln w="19050" cap="rnd">
+                <a:noFill/>
+                <a:prstDash val="sysDash"/>
+              </a:ln>
+            </p:spPr>
+            <p:txBody>
+              <a:bodyPr/>
+              <a:lstStyle/>
+              <a:p>
+                <a:r>
+                  <a:rPr lang="ja-JP" altLang="en-US">
+                    <a:noFill/>
+                  </a:rPr>
+                  <a:t> </a:t>
+                </a:r>
+              </a:p>
+            </p:txBody>
+          </p:sp>
+        </mc:Fallback>
+      </mc:AlternateContent>
+      <p:cxnSp>
+        <p:nvCxnSpPr>
+          <p:cNvPr id="23" name="直線矢印コネクタ 22"/>
+          <p:cNvCxnSpPr/>
+          <p:nvPr/>
+        </p:nvCxnSpPr>
+        <p:spPr>
+          <a:xfrm>
+            <a:off x="969390" y="2582151"/>
+            <a:ext cx="993880" cy="507958"/>
+          </a:xfrm>
+          <a:prstGeom prst="straightConnector1">
+            <a:avLst/>
+          </a:prstGeom>
+          <a:ln w="3175">
+            <a:solidFill>
+              <a:schemeClr val="tx1"/>
+            </a:solidFill>
+            <a:tailEnd type="arrow"/>
+          </a:ln>
+        </p:spPr>
+        <p:style>
+          <a:lnRef idx="1">
+            <a:schemeClr val="accent1"/>
+          </a:lnRef>
+          <a:fillRef idx="0">
+            <a:schemeClr val="accent1"/>
+          </a:fillRef>
+          <a:effectRef idx="0">
+            <a:schemeClr val="accent1"/>
+          </a:effectRef>
+          <a:fontRef idx="minor">
+            <a:schemeClr val="tx1"/>
+          </a:fontRef>
+        </p:style>
+      </p:cxnSp>
+      <mc:AlternateContent xmlns:mc="http://schemas.openxmlformats.org/markup-compatibility/2006" xmlns:a14="http://schemas.microsoft.com/office/drawing/2010/main">
+        <mc:Choice Requires="a14">
+          <p:sp>
+            <p:nvSpPr>
+              <p:cNvPr id="26" name="テキスト ボックス 25"/>
+              <p:cNvSpPr txBox="1"/>
+              <p:nvPr/>
+            </p:nvSpPr>
+            <p:spPr>
+              <a:xfrm>
+                <a:off x="1961345" y="2952111"/>
+                <a:ext cx="285613" cy="276999"/>
+              </a:xfrm>
+              <a:prstGeom prst="rect">
+                <a:avLst/>
+              </a:prstGeom>
+              <a:noFill/>
+              <a:ln w="19050" cap="rnd">
+                <a:noFill/>
+                <a:prstDash val="sysDash"/>
+              </a:ln>
+            </p:spPr>
+            <p:txBody>
+              <a:bodyPr wrap="square" rtlCol="0">
+                <a:spAutoFit/>
+              </a:bodyPr>
+              <a:lstStyle/>
+              <a:p>
+                <a:pPr/>
+                <a14:m>
+                  <m:oMathPara xmlns:m="http://schemas.openxmlformats.org/officeDocument/2006/math">
+                    <m:oMathParaPr>
+                      <m:jc m:val="centerGroup"/>
+                    </m:oMathParaPr>
+                    <m:oMath xmlns:m="http://schemas.openxmlformats.org/officeDocument/2006/math">
+                      <m:r>
+                        <a:rPr lang="en-US" altLang="ja-JP" sz="1200" b="0" i="1" smtClean="0">
+                          <a:latin typeface="Cambria Math"/>
+                          <a:ea typeface="HG丸ｺﾞｼｯｸM-PRO" panose="020F0600000000000000" pitchFamily="50" charset="-128"/>
+                          <a:cs typeface="Courier New" pitchFamily="49" charset="0"/>
+                        </a:rPr>
+                        <m:t>𝑥</m:t>
+                      </m:r>
+                    </m:oMath>
+                  </m:oMathPara>
+                </a14:m>
+                <a:endParaRPr lang="en-US" altLang="ja-JP" sz="1200">
+                  <a:latin typeface="HG丸ｺﾞｼｯｸM-PRO" panose="020F0600000000000000" pitchFamily="50" charset="-128"/>
+                  <a:ea typeface="HG丸ｺﾞｼｯｸM-PRO" panose="020F0600000000000000" pitchFamily="50" charset="-128"/>
+                  <a:cs typeface="Courier New" pitchFamily="49" charset="0"/>
+                </a:endParaRPr>
+              </a:p>
+            </p:txBody>
+          </p:sp>
+        </mc:Choice>
+        <mc:Fallback xmlns="">
+          <p:sp>
+            <p:nvSpPr>
+              <p:cNvPr id="26" name="テキスト ボックス 25"/>
+              <p:cNvSpPr txBox="1">
+                <a:spLocks noRot="1" noChangeAspect="1" noMove="1" noResize="1" noEditPoints="1" noAdjustHandles="1" noChangeArrowheads="1" noChangeShapeType="1" noTextEdit="1"/>
+              </p:cNvSpPr>
+              <p:nvPr/>
+            </p:nvSpPr>
+            <p:spPr>
+              <a:xfrm>
+                <a:off x="1961345" y="2952111"/>
+                <a:ext cx="285613" cy="276999"/>
+              </a:xfrm>
+              <a:prstGeom prst="rect">
+                <a:avLst/>
+              </a:prstGeom>
+              <a:blipFill rotWithShape="1">
+                <a:blip r:embed="rId5"/>
+                <a:stretch>
+                  <a:fillRect/>
+                </a:stretch>
+              </a:blipFill>
+              <a:ln w="19050" cap="rnd">
+                <a:noFill/>
+                <a:prstDash val="sysDash"/>
+              </a:ln>
+            </p:spPr>
+            <p:txBody>
+              <a:bodyPr/>
+              <a:lstStyle/>
+              <a:p>
+                <a:r>
+                  <a:rPr lang="ja-JP" altLang="en-US">
+                    <a:noFill/>
+                  </a:rPr>
+                  <a:t> </a:t>
+                </a:r>
+              </a:p>
+            </p:txBody>
+          </p:sp>
+        </mc:Fallback>
+      </mc:AlternateContent>
+      <mc:AlternateContent xmlns:mc="http://schemas.openxmlformats.org/markup-compatibility/2006" xmlns:a14="http://schemas.microsoft.com/office/drawing/2010/main">
+        <mc:Choice Requires="a14">
+          <p:sp>
+            <p:nvSpPr>
+              <p:cNvPr id="28" name="テキスト ボックス 27"/>
+              <p:cNvSpPr txBox="1"/>
+              <p:nvPr/>
+            </p:nvSpPr>
+            <p:spPr>
+              <a:xfrm>
+                <a:off x="856982" y="1355254"/>
+                <a:ext cx="285613" cy="276999"/>
+              </a:xfrm>
+              <a:prstGeom prst="rect">
+                <a:avLst/>
+              </a:prstGeom>
+              <a:noFill/>
+              <a:ln w="19050" cap="rnd">
+                <a:noFill/>
+                <a:prstDash val="sysDash"/>
+              </a:ln>
+            </p:spPr>
+            <p:txBody>
+              <a:bodyPr wrap="square" rtlCol="0">
+                <a:spAutoFit/>
+              </a:bodyPr>
+              <a:lstStyle/>
+              <a:p>
+                <a:pPr/>
+                <a14:m>
+                  <m:oMathPara xmlns:m="http://schemas.openxmlformats.org/officeDocument/2006/math">
+                    <m:oMathParaPr>
+                      <m:jc m:val="centerGroup"/>
+                    </m:oMathParaPr>
+                    <m:oMath xmlns:m="http://schemas.openxmlformats.org/officeDocument/2006/math">
+                      <m:r>
+                        <a:rPr lang="en-US" altLang="ja-JP" sz="1200" b="0" i="1" smtClean="0">
+                          <a:latin typeface="Cambria Math"/>
+                          <a:ea typeface="HG丸ｺﾞｼｯｸM-PRO" panose="020F0600000000000000" pitchFamily="50" charset="-128"/>
+                          <a:cs typeface="Courier New" pitchFamily="49" charset="0"/>
+                        </a:rPr>
+                        <m:t>𝑧</m:t>
+                      </m:r>
+                    </m:oMath>
+                  </m:oMathPara>
+                </a14:m>
+                <a:endParaRPr lang="en-US" altLang="ja-JP" sz="1200">
+                  <a:latin typeface="HG丸ｺﾞｼｯｸM-PRO" panose="020F0600000000000000" pitchFamily="50" charset="-128"/>
+                  <a:ea typeface="HG丸ｺﾞｼｯｸM-PRO" panose="020F0600000000000000" pitchFamily="50" charset="-128"/>
+                  <a:cs typeface="Courier New" pitchFamily="49" charset="0"/>
+                </a:endParaRPr>
+              </a:p>
+            </p:txBody>
+          </p:sp>
+        </mc:Choice>
+        <mc:Fallback xmlns="">
+          <p:sp>
+            <p:nvSpPr>
+              <p:cNvPr id="28" name="テキスト ボックス 27"/>
+              <p:cNvSpPr txBox="1">
+                <a:spLocks noRot="1" noChangeAspect="1" noMove="1" noResize="1" noEditPoints="1" noAdjustHandles="1" noChangeArrowheads="1" noChangeShapeType="1" noTextEdit="1"/>
+              </p:cNvSpPr>
+              <p:nvPr/>
+            </p:nvSpPr>
+            <p:spPr>
+              <a:xfrm>
+                <a:off x="856982" y="1355254"/>
+                <a:ext cx="285613" cy="276999"/>
+              </a:xfrm>
+              <a:prstGeom prst="rect">
+                <a:avLst/>
+              </a:prstGeom>
+              <a:blipFill rotWithShape="1">
+                <a:blip r:embed="rId6"/>
+                <a:stretch>
+                  <a:fillRect/>
+                </a:stretch>
+              </a:blipFill>
+              <a:ln w="19050" cap="rnd">
+                <a:noFill/>
+                <a:prstDash val="sysDash"/>
+              </a:ln>
+            </p:spPr>
+            <p:txBody>
+              <a:bodyPr/>
+              <a:lstStyle/>
+              <a:p>
+                <a:r>
+                  <a:rPr lang="ja-JP" altLang="en-US">
+                    <a:noFill/>
+                  </a:rPr>
+                  <a:t> </a:t>
+                </a:r>
+              </a:p>
+            </p:txBody>
+          </p:sp>
+        </mc:Fallback>
+      </mc:AlternateContent>
+      <p:cxnSp>
+        <p:nvCxnSpPr>
+          <p:cNvPr id="30" name="直線矢印コネクタ 29"/>
+          <p:cNvCxnSpPr/>
+          <p:nvPr/>
+        </p:nvCxnSpPr>
+        <p:spPr>
+          <a:xfrm>
+            <a:off x="979272" y="2586685"/>
+            <a:ext cx="623958" cy="128009"/>
+          </a:xfrm>
+          <a:prstGeom prst="straightConnector1">
+            <a:avLst/>
+          </a:prstGeom>
+          <a:ln w="6350">
+            <a:solidFill>
+              <a:schemeClr val="tx1"/>
+            </a:solidFill>
+            <a:tailEnd type="triangle"/>
+          </a:ln>
+        </p:spPr>
+        <p:style>
+          <a:lnRef idx="1">
+            <a:schemeClr val="accent1"/>
+          </a:lnRef>
+          <a:fillRef idx="0">
+            <a:schemeClr val="accent1"/>
+          </a:fillRef>
+          <a:effectRef idx="0">
+            <a:schemeClr val="accent1"/>
+          </a:effectRef>
+          <a:fontRef idx="minor">
+            <a:schemeClr val="tx1"/>
+          </a:fontRef>
+        </p:style>
+      </p:cxnSp>
+      <p:cxnSp>
+        <p:nvCxnSpPr>
+          <p:cNvPr id="32" name="直線矢印コネクタ 31"/>
+          <p:cNvCxnSpPr/>
+          <p:nvPr/>
+        </p:nvCxnSpPr>
+        <p:spPr>
+          <a:xfrm flipV="1">
+            <a:off x="1603230" y="2725609"/>
+            <a:ext cx="0" cy="175036"/>
+          </a:xfrm>
+          <a:prstGeom prst="straightConnector1">
+            <a:avLst/>
+          </a:prstGeom>
+          <a:ln w="3175">
+            <a:solidFill>
+              <a:schemeClr val="tx1"/>
+            </a:solidFill>
+            <a:prstDash val="lgDashDot"/>
+            <a:tailEnd type="none"/>
+          </a:ln>
+        </p:spPr>
+        <p:style>
+          <a:lnRef idx="1">
+            <a:schemeClr val="accent1"/>
+          </a:lnRef>
+          <a:fillRef idx="0">
+            <a:schemeClr val="accent1"/>
+          </a:fillRef>
+          <a:effectRef idx="0">
+            <a:schemeClr val="accent1"/>
+          </a:effectRef>
+          <a:fontRef idx="minor">
+            <a:schemeClr val="tx1"/>
+          </a:fontRef>
+        </p:style>
+      </p:cxnSp>
+      <p:cxnSp>
+        <p:nvCxnSpPr>
+          <p:cNvPr id="35" name="直線矢印コネクタ 34"/>
+          <p:cNvCxnSpPr/>
+          <p:nvPr/>
+        </p:nvCxnSpPr>
+        <p:spPr>
+          <a:xfrm flipV="1">
+            <a:off x="969390" y="2234286"/>
+            <a:ext cx="496519" cy="347894"/>
+          </a:xfrm>
+          <a:prstGeom prst="straightConnector1">
+            <a:avLst/>
+          </a:prstGeom>
+          <a:ln w="6350">
+            <a:solidFill>
+              <a:schemeClr val="tx1"/>
+            </a:solidFill>
+            <a:tailEnd type="triangle"/>
+          </a:ln>
+        </p:spPr>
+        <p:style>
+          <a:lnRef idx="1">
+            <a:schemeClr val="accent1"/>
+          </a:lnRef>
+          <a:fillRef idx="0">
+            <a:schemeClr val="accent1"/>
+          </a:fillRef>
+          <a:effectRef idx="0">
+            <a:schemeClr val="accent1"/>
+          </a:effectRef>
+          <a:fontRef idx="minor">
+            <a:schemeClr val="tx1"/>
+          </a:fontRef>
+        </p:style>
+      </p:cxnSp>
+      <p:cxnSp>
+        <p:nvCxnSpPr>
+          <p:cNvPr id="39" name="直線矢印コネクタ 38"/>
+          <p:cNvCxnSpPr/>
+          <p:nvPr/>
+        </p:nvCxnSpPr>
+        <p:spPr>
+          <a:xfrm flipV="1">
+            <a:off x="1472335" y="2240981"/>
+            <a:ext cx="9739" cy="341174"/>
+          </a:xfrm>
+          <a:prstGeom prst="straightConnector1">
+            <a:avLst/>
+          </a:prstGeom>
+          <a:ln w="3175">
+            <a:solidFill>
+              <a:schemeClr val="tx1"/>
+            </a:solidFill>
+            <a:prstDash val="lgDashDot"/>
+            <a:tailEnd type="none"/>
+          </a:ln>
+        </p:spPr>
+        <p:style>
+          <a:lnRef idx="1">
+            <a:schemeClr val="accent1"/>
+          </a:lnRef>
+          <a:fillRef idx="0">
+            <a:schemeClr val="accent1"/>
+          </a:fillRef>
+          <a:effectRef idx="0">
+            <a:schemeClr val="accent1"/>
+          </a:effectRef>
+          <a:fontRef idx="minor">
+            <a:schemeClr val="tx1"/>
+          </a:fontRef>
+        </p:style>
+      </p:cxnSp>
+      <mc:AlternateContent xmlns:mc="http://schemas.openxmlformats.org/markup-compatibility/2006" xmlns:a14="http://schemas.microsoft.com/office/drawing/2010/main">
+        <mc:Choice Requires="a14">
+          <p:sp>
+            <p:nvSpPr>
+              <p:cNvPr id="45" name="テキスト ボックス 44"/>
+              <p:cNvSpPr txBox="1"/>
+              <p:nvPr/>
+            </p:nvSpPr>
+            <p:spPr>
+              <a:xfrm>
+                <a:off x="883150" y="1907232"/>
+                <a:ext cx="542261" cy="276999"/>
+              </a:xfrm>
+              <a:prstGeom prst="rect">
+                <a:avLst/>
+              </a:prstGeom>
+              <a:noFill/>
+              <a:ln w="19050" cap="rnd">
+                <a:noFill/>
+                <a:prstDash val="sysDash"/>
+              </a:ln>
+            </p:spPr>
+            <p:txBody>
+              <a:bodyPr wrap="square" rtlCol="0">
+                <a:spAutoFit/>
+              </a:bodyPr>
+              <a:lstStyle/>
+              <a:p>
+                <a:pPr/>
+                <a14:m>
+                  <m:oMathPara xmlns:m="http://schemas.openxmlformats.org/officeDocument/2006/math">
+                    <m:oMathParaPr>
+                      <m:jc m:val="centerGroup"/>
+                    </m:oMathParaPr>
+                    <m:oMath xmlns:m="http://schemas.openxmlformats.org/officeDocument/2006/math">
+                      <m:r>
+                        <a:rPr lang="en-US" altLang="ja-JP" sz="1200" b="0" i="1" smtClean="0">
+                          <a:latin typeface="Cambria Math"/>
+                          <a:ea typeface="HG丸ｺﾞｼｯｸM-PRO" panose="020F0600000000000000" pitchFamily="50" charset="-128"/>
+                          <a:cs typeface="Courier New" pitchFamily="49" charset="0"/>
+                        </a:rPr>
+                        <m:t>(0, </m:t>
+                      </m:r>
+                      <m:r>
+                        <a:rPr lang="en-US" altLang="ja-JP" sz="1200" b="0" i="1" smtClean="0">
+                          <a:latin typeface="Cambria Math"/>
+                          <a:ea typeface="HG丸ｺﾞｼｯｸM-PRO" panose="020F0600000000000000" pitchFamily="50" charset="-128"/>
+                          <a:cs typeface="Courier New" pitchFamily="49" charset="0"/>
+                        </a:rPr>
+                        <m:t>𝑦𝑃</m:t>
+                      </m:r>
+                      <m:r>
+                        <a:rPr lang="en-US" altLang="ja-JP" sz="1200" b="0" i="1" smtClean="0">
+                          <a:latin typeface="Cambria Math"/>
+                          <a:ea typeface="HG丸ｺﾞｼｯｸM-PRO" panose="020F0600000000000000" pitchFamily="50" charset="-128"/>
+                          <a:cs typeface="Courier New" pitchFamily="49" charset="0"/>
+                        </a:rPr>
+                        <m:t>, </m:t>
+                      </m:r>
+                      <m:r>
+                        <a:rPr lang="en-US" altLang="ja-JP" sz="1200" b="0" i="1" smtClean="0">
+                          <a:latin typeface="Cambria Math"/>
+                          <a:ea typeface="HG丸ｺﾞｼｯｸM-PRO" panose="020F0600000000000000" pitchFamily="50" charset="-128"/>
+                          <a:cs typeface="Courier New" pitchFamily="49" charset="0"/>
+                        </a:rPr>
+                        <m:t>𝑃</m:t>
+                      </m:r>
+                      <m:r>
+                        <a:rPr lang="en-US" altLang="ja-JP" sz="1200" b="0" i="1" smtClean="0">
+                          <a:latin typeface="Cambria Math"/>
+                          <a:ea typeface="HG丸ｺﾞｼｯｸM-PRO" panose="020F0600000000000000" pitchFamily="50" charset="-128"/>
+                          <a:cs typeface="Courier New" pitchFamily="49" charset="0"/>
+                        </a:rPr>
+                        <m:t>)</m:t>
+                      </m:r>
+                    </m:oMath>
+                  </m:oMathPara>
+                </a14:m>
+                <a:endParaRPr lang="en-US" altLang="ja-JP" sz="1200">
+                  <a:latin typeface="HG丸ｺﾞｼｯｸM-PRO" panose="020F0600000000000000" pitchFamily="50" charset="-128"/>
+                  <a:ea typeface="HG丸ｺﾞｼｯｸM-PRO" panose="020F0600000000000000" pitchFamily="50" charset="-128"/>
+                  <a:cs typeface="Courier New" pitchFamily="49" charset="0"/>
+                </a:endParaRPr>
+              </a:p>
+            </p:txBody>
+          </p:sp>
+        </mc:Choice>
+        <mc:Fallback xmlns="">
+          <p:sp>
+            <p:nvSpPr>
+              <p:cNvPr id="45" name="テキスト ボックス 44"/>
+              <p:cNvSpPr txBox="1">
+                <a:spLocks noRot="1" noChangeAspect="1" noMove="1" noResize="1" noEditPoints="1" noAdjustHandles="1" noChangeArrowheads="1" noChangeShapeType="1" noTextEdit="1"/>
+              </p:cNvSpPr>
+              <p:nvPr/>
+            </p:nvSpPr>
+            <p:spPr>
+              <a:xfrm>
+                <a:off x="883150" y="1907232"/>
+                <a:ext cx="542261" cy="276999"/>
+              </a:xfrm>
+              <a:prstGeom prst="rect">
+                <a:avLst/>
+              </a:prstGeom>
+              <a:blipFill rotWithShape="1">
+                <a:blip r:embed="rId7"/>
+                <a:stretch>
+                  <a:fillRect r="-42697" b="-13333"/>
+                </a:stretch>
+              </a:blipFill>
+              <a:ln w="19050" cap="rnd">
+                <a:noFill/>
+                <a:prstDash val="sysDash"/>
+              </a:ln>
+            </p:spPr>
+            <p:txBody>
+              <a:bodyPr/>
+              <a:lstStyle/>
+              <a:p>
+                <a:r>
+                  <a:rPr lang="ja-JP" altLang="en-US">
+                    <a:noFill/>
+                  </a:rPr>
+                  <a:t> </a:t>
+                </a:r>
+              </a:p>
+            </p:txBody>
+          </p:sp>
+        </mc:Fallback>
+      </mc:AlternateContent>
+      <mc:AlternateContent xmlns:mc="http://schemas.openxmlformats.org/markup-compatibility/2006" xmlns:a14="http://schemas.microsoft.com/office/drawing/2010/main">
+        <mc:Choice Requires="a14">
+          <p:sp>
+            <p:nvSpPr>
+              <p:cNvPr id="48" name="テキスト ボックス 47"/>
+              <p:cNvSpPr txBox="1"/>
+              <p:nvPr/>
+            </p:nvSpPr>
+            <p:spPr>
+              <a:xfrm>
+                <a:off x="2267897" y="1745872"/>
+                <a:ext cx="1062020" cy="276999"/>
+              </a:xfrm>
+              <a:prstGeom prst="rect">
+                <a:avLst/>
+              </a:prstGeom>
+              <a:noFill/>
+              <a:ln w="19050" cap="rnd">
+                <a:noFill/>
+                <a:prstDash val="sysDash"/>
+              </a:ln>
+            </p:spPr>
+            <p:txBody>
+              <a:bodyPr wrap="square" rtlCol="0">
+                <a:spAutoFit/>
+              </a:bodyPr>
+              <a:lstStyle/>
+              <a:p>
+                <a:pPr/>
+                <a14:m>
+                  <m:oMathPara xmlns:m="http://schemas.openxmlformats.org/officeDocument/2006/math">
+                    <m:oMathParaPr>
+                      <m:jc m:val="centerGroup"/>
+                    </m:oMathParaPr>
+                    <m:oMath xmlns:m="http://schemas.openxmlformats.org/officeDocument/2006/math">
+                      <m:r>
+                        <a:rPr lang="en-US" altLang="ja-JP" sz="1200" b="0" i="1" smtClean="0">
+                          <a:latin typeface="Cambria Math"/>
+                          <a:ea typeface="HG丸ｺﾞｼｯｸM-PRO" panose="020F0600000000000000" pitchFamily="50" charset="-128"/>
+                          <a:cs typeface="Courier New" pitchFamily="49" charset="0"/>
+                        </a:rPr>
+                        <m:t>(</m:t>
+                      </m:r>
+                      <m:r>
+                        <a:rPr lang="en-US" altLang="ja-JP" sz="1200" b="0" i="1" smtClean="0">
+                          <a:latin typeface="Cambria Math"/>
+                          <a:ea typeface="HG丸ｺﾞｼｯｸM-PRO" panose="020F0600000000000000" pitchFamily="50" charset="-128"/>
+                          <a:cs typeface="Courier New" pitchFamily="49" charset="0"/>
+                        </a:rPr>
+                        <m:t>𝑎𝑥𝑃</m:t>
+                      </m:r>
+                      <m:r>
+                        <a:rPr lang="en-US" altLang="ja-JP" sz="1200" b="0" i="1" smtClean="0">
+                          <a:latin typeface="Cambria Math"/>
+                          <a:ea typeface="HG丸ｺﾞｼｯｸM-PRO" panose="020F0600000000000000" pitchFamily="50" charset="-128"/>
+                          <a:cs typeface="Courier New" pitchFamily="49" charset="0"/>
+                        </a:rPr>
+                        <m:t>,</m:t>
+                      </m:r>
+                      <m:r>
+                        <a:rPr lang="en-US" altLang="ja-JP" sz="1200" b="0" i="1" smtClean="0">
+                          <a:latin typeface="Cambria Math"/>
+                          <a:ea typeface="HG丸ｺﾞｼｯｸM-PRO" panose="020F0600000000000000" pitchFamily="50" charset="-128"/>
+                          <a:cs typeface="Courier New" pitchFamily="49" charset="0"/>
+                        </a:rPr>
+                        <m:t>𝑏𝑦𝑃</m:t>
+                      </m:r>
+                      <m:r>
+                        <a:rPr lang="en-US" altLang="ja-JP" sz="1200" b="0" i="1" smtClean="0">
+                          <a:latin typeface="Cambria Math"/>
+                          <a:ea typeface="HG丸ｺﾞｼｯｸM-PRO" panose="020F0600000000000000" pitchFamily="50" charset="-128"/>
+                          <a:cs typeface="Courier New" pitchFamily="49" charset="0"/>
+                        </a:rPr>
+                        <m:t>,</m:t>
+                      </m:r>
+                      <m:r>
+                        <a:rPr lang="en-US" altLang="ja-JP" sz="1200" b="0" i="1" smtClean="0">
+                          <a:latin typeface="Cambria Math"/>
+                          <a:ea typeface="HG丸ｺﾞｼｯｸM-PRO" panose="020F0600000000000000" pitchFamily="50" charset="-128"/>
+                          <a:cs typeface="Courier New" pitchFamily="49" charset="0"/>
+                        </a:rPr>
+                        <m:t>𝑄</m:t>
+                      </m:r>
+                      <m:r>
+                        <a:rPr lang="en-US" altLang="ja-JP" sz="1200" b="0" i="1" smtClean="0">
+                          <a:latin typeface="Cambria Math"/>
+                          <a:ea typeface="HG丸ｺﾞｼｯｸM-PRO" panose="020F0600000000000000" pitchFamily="50" charset="-128"/>
+                          <a:cs typeface="Courier New" pitchFamily="49" charset="0"/>
+                        </a:rPr>
+                        <m:t>)</m:t>
+                      </m:r>
+                    </m:oMath>
+                  </m:oMathPara>
+                </a14:m>
+                <a:endParaRPr lang="en-US" altLang="ja-JP" sz="1200">
+                  <a:latin typeface="HG丸ｺﾞｼｯｸM-PRO" panose="020F0600000000000000" pitchFamily="50" charset="-128"/>
+                  <a:ea typeface="HG丸ｺﾞｼｯｸM-PRO" panose="020F0600000000000000" pitchFamily="50" charset="-128"/>
+                  <a:cs typeface="Courier New" pitchFamily="49" charset="0"/>
+                </a:endParaRPr>
+              </a:p>
+            </p:txBody>
+          </p:sp>
+        </mc:Choice>
+        <mc:Fallback xmlns="">
+          <p:sp>
+            <p:nvSpPr>
+              <p:cNvPr id="48" name="テキスト ボックス 47"/>
+              <p:cNvSpPr txBox="1">
+                <a:spLocks noRot="1" noChangeAspect="1" noMove="1" noResize="1" noEditPoints="1" noAdjustHandles="1" noChangeArrowheads="1" noChangeShapeType="1" noTextEdit="1"/>
+              </p:cNvSpPr>
+              <p:nvPr/>
+            </p:nvSpPr>
+            <p:spPr>
+              <a:xfrm>
+                <a:off x="2267897" y="1745872"/>
+                <a:ext cx="1062020" cy="276999"/>
+              </a:xfrm>
+              <a:prstGeom prst="rect">
+                <a:avLst/>
+              </a:prstGeom>
+              <a:blipFill rotWithShape="1">
+                <a:blip r:embed="rId8"/>
+                <a:stretch>
+                  <a:fillRect b="-10870"/>
+                </a:stretch>
+              </a:blipFill>
+              <a:ln w="19050" cap="rnd">
+                <a:noFill/>
+                <a:prstDash val="sysDash"/>
+              </a:ln>
+            </p:spPr>
+            <p:txBody>
+              <a:bodyPr/>
+              <a:lstStyle/>
+              <a:p>
+                <a:r>
+                  <a:rPr lang="ja-JP" altLang="en-US">
+                    <a:noFill/>
+                  </a:rPr>
+                  <a:t> </a:t>
+                </a:r>
+              </a:p>
+            </p:txBody>
+          </p:sp>
+        </mc:Fallback>
+      </mc:AlternateContent>
+      <mc:AlternateContent xmlns:mc="http://schemas.openxmlformats.org/markup-compatibility/2006" xmlns:a14="http://schemas.microsoft.com/office/drawing/2010/main">
+        <mc:Choice Requires="a14">
+          <p:sp>
+            <p:nvSpPr>
+              <p:cNvPr id="19" name="テキスト ボックス 18"/>
+              <p:cNvSpPr txBox="1"/>
+              <p:nvPr/>
+            </p:nvSpPr>
+            <p:spPr>
+              <a:xfrm>
+                <a:off x="485800" y="2599053"/>
+                <a:ext cx="542261" cy="276999"/>
+              </a:xfrm>
+              <a:prstGeom prst="rect">
+                <a:avLst/>
+              </a:prstGeom>
+              <a:noFill/>
+              <a:ln w="19050" cap="rnd">
+                <a:noFill/>
+                <a:prstDash val="sysDash"/>
+              </a:ln>
+            </p:spPr>
+            <p:txBody>
+              <a:bodyPr wrap="square" rtlCol="0">
+                <a:spAutoFit/>
+              </a:bodyPr>
+              <a:lstStyle/>
+              <a:p>
+                <a:pPr/>
+                <a14:m>
+                  <m:oMathPara xmlns:m="http://schemas.openxmlformats.org/officeDocument/2006/math">
+                    <m:oMathParaPr>
+                      <m:jc m:val="centerGroup"/>
+                    </m:oMathParaPr>
+                    <m:oMath xmlns:m="http://schemas.openxmlformats.org/officeDocument/2006/math">
+                      <m:r>
+                        <a:rPr lang="en-US" altLang="ja-JP" sz="1200" b="0" i="1" smtClean="0">
+                          <a:latin typeface="Cambria Math"/>
+                          <a:ea typeface="HG丸ｺﾞｼｯｸM-PRO" panose="020F0600000000000000" pitchFamily="50" charset="-128"/>
+                          <a:cs typeface="Courier New" pitchFamily="49" charset="0"/>
+                        </a:rPr>
+                        <m:t>(0, 0,0)</m:t>
+                      </m:r>
+                    </m:oMath>
+                  </m:oMathPara>
+                </a14:m>
+                <a:endParaRPr lang="en-US" altLang="ja-JP" sz="1200">
+                  <a:latin typeface="HG丸ｺﾞｼｯｸM-PRO" panose="020F0600000000000000" pitchFamily="50" charset="-128"/>
+                  <a:ea typeface="HG丸ｺﾞｼｯｸM-PRO" panose="020F0600000000000000" pitchFamily="50" charset="-128"/>
+                  <a:cs typeface="Courier New" pitchFamily="49" charset="0"/>
+                </a:endParaRPr>
+              </a:p>
+            </p:txBody>
+          </p:sp>
+        </mc:Choice>
+        <mc:Fallback xmlns="">
+          <p:sp>
+            <p:nvSpPr>
+              <p:cNvPr id="19" name="テキスト ボックス 18"/>
+              <p:cNvSpPr txBox="1">
+                <a:spLocks noRot="1" noChangeAspect="1" noMove="1" noResize="1" noEditPoints="1" noAdjustHandles="1" noChangeArrowheads="1" noChangeShapeType="1" noTextEdit="1"/>
+              </p:cNvSpPr>
+              <p:nvPr/>
+            </p:nvSpPr>
+            <p:spPr>
+              <a:xfrm>
+                <a:off x="485800" y="2599053"/>
+                <a:ext cx="542261" cy="276999"/>
+              </a:xfrm>
+              <a:prstGeom prst="rect">
+                <a:avLst/>
+              </a:prstGeom>
+              <a:blipFill rotWithShape="1">
+                <a:blip r:embed="rId9"/>
+                <a:stretch>
+                  <a:fillRect r="-16854" b="-10870"/>
+                </a:stretch>
+              </a:blipFill>
+              <a:ln w="19050" cap="rnd">
+                <a:noFill/>
+                <a:prstDash val="sysDash"/>
+              </a:ln>
+            </p:spPr>
+            <p:txBody>
+              <a:bodyPr/>
+              <a:lstStyle/>
+              <a:p>
+                <a:r>
+                  <a:rPr lang="ja-JP" altLang="en-US">
+                    <a:noFill/>
+                  </a:rPr>
+                  <a:t> </a:t>
+                </a:r>
+              </a:p>
+            </p:txBody>
+          </p:sp>
+        </mc:Fallback>
+      </mc:AlternateContent>
+      <p:sp>
+        <p:nvSpPr>
+          <p:cNvPr id="36" name="テキスト ボックス 35"/>
+          <p:cNvSpPr txBox="1"/>
+          <p:nvPr/>
+        </p:nvSpPr>
+        <p:spPr>
+          <a:xfrm>
+            <a:off x="1309215" y="2079741"/>
+            <a:ext cx="360874" cy="276999"/>
+          </a:xfrm>
+          <a:prstGeom prst="rect">
+            <a:avLst/>
+          </a:prstGeom>
+          <a:noFill/>
+          <a:ln w="19050" cap="rnd">
+            <a:noFill/>
+            <a:prstDash val="sysDash"/>
+          </a:ln>
+        </p:spPr>
+        <p:txBody>
+          <a:bodyPr wrap="square" rtlCol="0">
+            <a:spAutoFit/>
+          </a:bodyPr>
+          <a:lstStyle/>
+          <a:p>
+            <a:pPr/>
+            <a:r>
+              <a:rPr lang="ja-JP" altLang="en-US" sz="1200" smtClean="0">
+                <a:latin typeface="HG丸ｺﾞｼｯｸM-PRO" panose="020F0600000000000000" pitchFamily="50" charset="-128"/>
+                <a:ea typeface="HG丸ｺﾞｼｯｸM-PRO" panose="020F0600000000000000" pitchFamily="50" charset="-128"/>
+                <a:cs typeface="Courier New" pitchFamily="49" charset="0"/>
+              </a:rPr>
+              <a:t>・</a:t>
+            </a:r>
+            <a:endParaRPr lang="en-US" altLang="ja-JP" sz="1200">
+              <a:latin typeface="HG丸ｺﾞｼｯｸM-PRO" panose="020F0600000000000000" pitchFamily="50" charset="-128"/>
+              <a:ea typeface="HG丸ｺﾞｼｯｸM-PRO" panose="020F0600000000000000" pitchFamily="50" charset="-128"/>
+              <a:cs typeface="Courier New" pitchFamily="49" charset="0"/>
+            </a:endParaRPr>
+          </a:p>
+        </p:txBody>
+      </p:sp>
+      <p:sp>
+        <p:nvSpPr>
+          <p:cNvPr id="38" name="テキスト ボックス 37"/>
+          <p:cNvSpPr txBox="1"/>
+          <p:nvPr/>
+        </p:nvSpPr>
+        <p:spPr>
+          <a:xfrm>
+            <a:off x="1438806" y="2570545"/>
+            <a:ext cx="271130" cy="276999"/>
+          </a:xfrm>
+          <a:prstGeom prst="rect">
+            <a:avLst/>
+          </a:prstGeom>
+          <a:noFill/>
+          <a:ln w="19050" cap="rnd">
+            <a:noFill/>
+            <a:prstDash val="sysDash"/>
+          </a:ln>
+        </p:spPr>
+        <p:txBody>
+          <a:bodyPr wrap="square" rtlCol="0">
+            <a:spAutoFit/>
+          </a:bodyPr>
+          <a:lstStyle/>
+          <a:p>
+            <a:pPr/>
+            <a:r>
+              <a:rPr lang="ja-JP" altLang="en-US" sz="1200" smtClean="0">
+                <a:latin typeface="HG丸ｺﾞｼｯｸM-PRO" panose="020F0600000000000000" pitchFamily="50" charset="-128"/>
+                <a:ea typeface="HG丸ｺﾞｼｯｸM-PRO" panose="020F0600000000000000" pitchFamily="50" charset="-128"/>
+                <a:cs typeface="Courier New" pitchFamily="49" charset="0"/>
+              </a:rPr>
+              <a:t>・</a:t>
+            </a:r>
+            <a:endParaRPr lang="en-US" altLang="ja-JP" sz="1200">
+              <a:latin typeface="HG丸ｺﾞｼｯｸM-PRO" panose="020F0600000000000000" pitchFamily="50" charset="-128"/>
+              <a:ea typeface="HG丸ｺﾞｼｯｸM-PRO" panose="020F0600000000000000" pitchFamily="50" charset="-128"/>
+              <a:cs typeface="Courier New" pitchFamily="49" charset="0"/>
+            </a:endParaRPr>
+          </a:p>
+        </p:txBody>
+      </p:sp>
+      <p:sp>
+        <p:nvSpPr>
+          <p:cNvPr id="40" name="テキスト ボックス 39"/>
+          <p:cNvSpPr txBox="1"/>
+          <p:nvPr/>
+        </p:nvSpPr>
+        <p:spPr>
+          <a:xfrm>
+            <a:off x="2606284" y="1909221"/>
+            <a:ext cx="271130" cy="276999"/>
+          </a:xfrm>
+          <a:prstGeom prst="rect">
+            <a:avLst/>
+          </a:prstGeom>
+          <a:noFill/>
+          <a:ln w="19050" cap="rnd">
+            <a:noFill/>
+            <a:prstDash val="sysDash"/>
+          </a:ln>
+        </p:spPr>
+        <p:txBody>
+          <a:bodyPr wrap="square" rtlCol="0">
+            <a:spAutoFit/>
+          </a:bodyPr>
+          <a:lstStyle/>
+          <a:p>
+            <a:pPr/>
+            <a:r>
+              <a:rPr lang="ja-JP" altLang="en-US" sz="1200" smtClean="0">
+                <a:latin typeface="HG丸ｺﾞｼｯｸM-PRO" panose="020F0600000000000000" pitchFamily="50" charset="-128"/>
+                <a:ea typeface="HG丸ｺﾞｼｯｸM-PRO" panose="020F0600000000000000" pitchFamily="50" charset="-128"/>
+                <a:cs typeface="Courier New" pitchFamily="49" charset="0"/>
+              </a:rPr>
+              <a:t>・</a:t>
+            </a:r>
+            <a:endParaRPr lang="en-US" altLang="ja-JP" sz="1200">
+              <a:latin typeface="HG丸ｺﾞｼｯｸM-PRO" panose="020F0600000000000000" pitchFamily="50" charset="-128"/>
+              <a:ea typeface="HG丸ｺﾞｼｯｸM-PRO" panose="020F0600000000000000" pitchFamily="50" charset="-128"/>
+              <a:cs typeface="Courier New" pitchFamily="49" charset="0"/>
+            </a:endParaRPr>
+          </a:p>
+        </p:txBody>
+      </p:sp>
+      <p:sp>
+        <p:nvSpPr>
+          <p:cNvPr id="42" name="テキスト ボックス 41"/>
+          <p:cNvSpPr txBox="1"/>
+          <p:nvPr/>
+        </p:nvSpPr>
+        <p:spPr>
+          <a:xfrm>
+            <a:off x="2606284" y="2062960"/>
+            <a:ext cx="271130" cy="276999"/>
+          </a:xfrm>
+          <a:prstGeom prst="rect">
+            <a:avLst/>
+          </a:prstGeom>
+          <a:noFill/>
+          <a:ln w="19050" cap="rnd">
+            <a:noFill/>
+            <a:prstDash val="sysDash"/>
+          </a:ln>
+        </p:spPr>
+        <p:txBody>
+          <a:bodyPr wrap="square" rtlCol="0">
+            <a:spAutoFit/>
+          </a:bodyPr>
+          <a:lstStyle/>
+          <a:p>
+            <a:pPr/>
+            <a:r>
+              <a:rPr lang="ja-JP" altLang="en-US" sz="1200" smtClean="0">
+                <a:latin typeface="HG丸ｺﾞｼｯｸM-PRO" panose="020F0600000000000000" pitchFamily="50" charset="-128"/>
+                <a:ea typeface="HG丸ｺﾞｼｯｸM-PRO" panose="020F0600000000000000" pitchFamily="50" charset="-128"/>
+                <a:cs typeface="Courier New" pitchFamily="49" charset="0"/>
+              </a:rPr>
+              <a:t>・</a:t>
+            </a:r>
+            <a:endParaRPr lang="en-US" altLang="ja-JP" sz="1200">
+              <a:latin typeface="HG丸ｺﾞｼｯｸM-PRO" panose="020F0600000000000000" pitchFamily="50" charset="-128"/>
+              <a:ea typeface="HG丸ｺﾞｼｯｸM-PRO" panose="020F0600000000000000" pitchFamily="50" charset="-128"/>
+              <a:cs typeface="Courier New" pitchFamily="49" charset="0"/>
+            </a:endParaRPr>
+          </a:p>
+        </p:txBody>
+      </p:sp>
     </p:spTree>
     <p:extLst>
       <p:ext uri="{BB962C8B-B14F-4D97-AF65-F5344CB8AC3E}">
